--- a/Lecture 2- Describing Your Data/Lecture 2- Describing Your Data.pptx
+++ b/Lecture 2- Describing Your Data/Lecture 2- Describing Your Data.pptx
@@ -4578,7 +4578,7 @@
           <a:lstStyle/>
           <a:p>
             <a:r>
-              <a:rPr lang="en-US" altLang="zh-Hans" sz="2200" dirty="0">
+              <a:rPr lang="en-US" altLang="zh-CHS" sz="2200" dirty="0">
                 <a:solidFill>
                   <a:srgbClr val="898989"/>
                 </a:solidFill>
@@ -4587,7 +4587,7 @@
               <a:t>Jibo</a:t>
             </a:r>
             <a:r>
-              <a:rPr lang="zh-Hans" altLang="en-US" sz="2200" dirty="0">
+              <a:rPr lang="zh-CHS" altLang="en-US" sz="2200" dirty="0">
                 <a:solidFill>
                   <a:srgbClr val="898989"/>
                 </a:solidFill>
@@ -4596,7 +4596,7 @@
               <a:t> </a:t>
             </a:r>
             <a:r>
-              <a:rPr lang="en-US" altLang="zh-Hans" sz="2200" dirty="0">
+              <a:rPr lang="en-US" altLang="zh-CHS" sz="2200" dirty="0">
                 <a:solidFill>
                   <a:srgbClr val="898989"/>
                 </a:solidFill>
@@ -4605,7 +4605,7 @@
               <a:t>He,</a:t>
             </a:r>
             <a:r>
-              <a:rPr lang="zh-Hans" altLang="en-US" sz="2200" dirty="0">
+              <a:rPr lang="zh-CHS" altLang="en-US" sz="2200" dirty="0">
                 <a:solidFill>
                   <a:srgbClr val="898989"/>
                 </a:solidFill>
@@ -4614,7 +4614,7 @@
               <a:t> </a:t>
             </a:r>
             <a:r>
-              <a:rPr lang="en-US" altLang="zh-Hans" sz="2200" dirty="0">
+              <a:rPr lang="en-US" altLang="zh-CHS" sz="2200" dirty="0">
                 <a:solidFill>
                   <a:srgbClr val="898989"/>
                 </a:solidFill>
@@ -4625,7 +4625,7 @@
           </a:p>
           <a:p>
             <a:r>
-              <a:rPr lang="en-US" altLang="zh-Hans" sz="2200" dirty="0">
+              <a:rPr lang="en-US" altLang="zh-CHS" sz="2200" dirty="0">
                 <a:solidFill>
                   <a:srgbClr val="898989"/>
                 </a:solidFill>
@@ -4634,7 +4634,7 @@
               <a:t>Associate</a:t>
             </a:r>
             <a:r>
-              <a:rPr lang="zh-Hans" altLang="en-US" sz="2200" dirty="0">
+              <a:rPr lang="zh-CHS" altLang="en-US" sz="2200" dirty="0">
                 <a:solidFill>
                   <a:srgbClr val="898989"/>
                 </a:solidFill>
@@ -4643,7 +4643,7 @@
               <a:t> </a:t>
             </a:r>
             <a:r>
-              <a:rPr lang="en-US" altLang="zh-Hans" sz="2200" dirty="0">
+              <a:rPr lang="en-US" altLang="zh-CHS" sz="2200" dirty="0">
                 <a:solidFill>
                   <a:srgbClr val="898989"/>
                 </a:solidFill>
@@ -4654,7 +4654,7 @@
           </a:p>
           <a:p>
             <a:r>
-              <a:rPr lang="en-US" altLang="zh-Hans" sz="2200" dirty="0">
+              <a:rPr lang="en-US" altLang="zh-CHS" sz="2200" dirty="0">
                 <a:solidFill>
                   <a:srgbClr val="898989"/>
                 </a:solidFill>
@@ -4663,7 +4663,7 @@
               <a:t>Wichita</a:t>
             </a:r>
             <a:r>
-              <a:rPr lang="zh-Hans" altLang="en-US" sz="2200" dirty="0">
+              <a:rPr lang="zh-CHS" altLang="en-US" sz="2200" dirty="0">
                 <a:solidFill>
                   <a:srgbClr val="898989"/>
                 </a:solidFill>
@@ -4672,7 +4672,7 @@
               <a:t> </a:t>
             </a:r>
             <a:r>
-              <a:rPr lang="en-US" altLang="zh-Hans" sz="2200" dirty="0">
+              <a:rPr lang="en-US" altLang="zh-CHS" sz="2200" dirty="0">
                 <a:solidFill>
                   <a:srgbClr val="898989"/>
                 </a:solidFill>
@@ -4681,7 +4681,7 @@
               <a:t>State</a:t>
             </a:r>
             <a:r>
-              <a:rPr lang="zh-Hans" altLang="en-US" sz="2200" dirty="0">
+              <a:rPr lang="zh-CHS" altLang="en-US" sz="2200" dirty="0">
                 <a:solidFill>
                   <a:srgbClr val="898989"/>
                 </a:solidFill>
@@ -4690,7 +4690,7 @@
               <a:t> </a:t>
             </a:r>
             <a:r>
-              <a:rPr lang="en-US" altLang="zh-Hans" sz="2200" dirty="0">
+              <a:rPr lang="en-US" altLang="zh-CHS" sz="2200" dirty="0">
                 <a:solidFill>
                   <a:srgbClr val="898989"/>
                 </a:solidFill>
@@ -4701,7 +4701,7 @@
           </a:p>
           <a:p>
             <a:r>
-              <a:rPr lang="en-US" altLang="zh-Hans" sz="2200" dirty="0" err="1">
+              <a:rPr lang="en-US" altLang="zh-CHS" sz="2200" dirty="0" err="1">
                 <a:solidFill>
                   <a:srgbClr val="898989"/>
                 </a:solidFill>
@@ -4843,7 +4843,7 @@
           <a:graphicData uri="http://schemas.openxmlformats.org/presentationml/2006/ole">
             <mc:AlternateContent xmlns:mc="http://schemas.openxmlformats.org/markup-compatibility/2006">
               <mc:Choice xmlns:v="urn:schemas-microsoft-com:vml" Requires="v">
-                <p:oleObj spid="_x0000_s1332" name="Worksheet" r:id="rId3" imgW="2463800" imgH="1663700" progId="Excel.Sheet.8">
+                <p:oleObj spid="_x0000_s1375" name="Worksheet" r:id="rId3" imgW="2463800" imgH="1663700" progId="Excel.Sheet.8">
                   <p:embed/>
                 </p:oleObj>
               </mc:Choice>
@@ -4885,15 +4885,15 @@
                       </a:ln>
                       <a:effectLst/>
                       <a:extLst>
-                        <a:ext uri="{909E8E84-426E-40DD-AFC4-6F175D3DCCD1}">
-                          <a14:hiddenFill xmlns:a14="http://schemas.microsoft.com/office/drawing/2010/main">
+                        <a:ext uri="{909E8E84-426E-40dd-AFC4-6F175D3DCCD1}">
+                          <a14:hiddenFill xmlns:a14="http://schemas.microsoft.com/office/drawing/2010/main" xmlns="">
                             <a:solidFill>
                               <a:srgbClr val="FFFFFF"/>
                             </a:solidFill>
                           </a14:hiddenFill>
                         </a:ext>
-                        <a:ext uri="{91240B29-F687-4F45-9708-019B960494DF}">
-                          <a14:hiddenLine xmlns:a14="http://schemas.microsoft.com/office/drawing/2010/main" w="9525">
+                        <a:ext uri="{91240B29-F687-4f45-9708-019B960494DF}">
+                          <a14:hiddenLine xmlns:a14="http://schemas.microsoft.com/office/drawing/2010/main" xmlns="" w="9525">
                             <a:solidFill>
                               <a:srgbClr val="000000"/>
                             </a:solidFill>
@@ -4902,8 +4902,8 @@
                             <a:tailEnd/>
                           </a14:hiddenLine>
                         </a:ext>
-                        <a:ext uri="{AF507438-7753-43E0-B8FC-AC1667EBCBE1}">
-                          <a14:hiddenEffects xmlns:a14="http://schemas.microsoft.com/office/drawing/2010/main">
+                        <a:ext uri="{AF507438-7753-43e0-B8FC-AC1667EBCBE1}">
+                          <a14:hiddenEffects xmlns:a14="http://schemas.microsoft.com/office/drawing/2010/main" xmlns="">
                             <a:effectLst>
                               <a:outerShdw dist="35921" dir="2700000" algn="ctr" rotWithShape="0">
                                 <a:srgbClr val="808080">
@@ -4944,7 +4944,7 @@
           <a:graphicData uri="http://schemas.openxmlformats.org/presentationml/2006/ole">
             <mc:AlternateContent xmlns:mc="http://schemas.openxmlformats.org/markup-compatibility/2006">
               <mc:Choice xmlns:v="urn:schemas-microsoft-com:vml" Requires="v">
-                <p:oleObj spid="_x0000_s1333" name="Worksheet" r:id="rId5" imgW="495300" imgH="4838700" progId="Excel.Sheet.8">
+                <p:oleObj spid="_x0000_s1376" name="Worksheet" r:id="rId5" imgW="495300" imgH="4838700" progId="Excel.Sheet.8">
                   <p:embed/>
                 </p:oleObj>
               </mc:Choice>
@@ -4980,15 +4980,15 @@
                       </a:ln>
                       <a:effectLst/>
                       <a:extLst>
-                        <a:ext uri="{909E8E84-426E-40DD-AFC4-6F175D3DCCD1}">
-                          <a14:hiddenFill xmlns:a14="http://schemas.microsoft.com/office/drawing/2010/main">
+                        <a:ext uri="{909E8E84-426E-40dd-AFC4-6F175D3DCCD1}">
+                          <a14:hiddenFill xmlns:a14="http://schemas.microsoft.com/office/drawing/2010/main" xmlns="">
                             <a:solidFill>
                               <a:srgbClr val="FFFFFF"/>
                             </a:solidFill>
                           </a14:hiddenFill>
                         </a:ext>
-                        <a:ext uri="{91240B29-F687-4F45-9708-019B960494DF}">
-                          <a14:hiddenLine xmlns:a14="http://schemas.microsoft.com/office/drawing/2010/main" w="9525">
+                        <a:ext uri="{91240B29-F687-4f45-9708-019B960494DF}">
+                          <a14:hiddenLine xmlns:a14="http://schemas.microsoft.com/office/drawing/2010/main" xmlns="" w="9525">
                             <a:solidFill>
                               <a:srgbClr val="000000"/>
                             </a:solidFill>
@@ -4997,8 +4997,8 @@
                             <a:tailEnd/>
                           </a14:hiddenLine>
                         </a:ext>
-                        <a:ext uri="{AF507438-7753-43E0-B8FC-AC1667EBCBE1}">
-                          <a14:hiddenEffects xmlns:a14="http://schemas.microsoft.com/office/drawing/2010/main">
+                        <a:ext uri="{AF507438-7753-43e0-B8FC-AC1667EBCBE1}">
+                          <a14:hiddenEffects xmlns:a14="http://schemas.microsoft.com/office/drawing/2010/main" xmlns="">
                             <a:effectLst>
                               <a:outerShdw dist="35921" dir="2700000" algn="ctr" rotWithShape="0">
                                 <a:srgbClr val="808080">
@@ -5260,15 +5260,15 @@
           </a:ln>
           <a:effectLst/>
           <a:extLst>
-            <a:ext uri="{909E8E84-426E-40DD-AFC4-6F175D3DCCD1}">
-              <a14:hiddenFill xmlns:a14="http://schemas.microsoft.com/office/drawing/2010/main">
+            <a:ext uri="{909E8E84-426E-40dd-AFC4-6F175D3DCCD1}">
+              <a14:hiddenFill xmlns:a14="http://schemas.microsoft.com/office/drawing/2010/main" xmlns="">
                 <a:solidFill>
                   <a:schemeClr val="accent1"/>
                 </a:solidFill>
               </a14:hiddenFill>
             </a:ext>
-            <a:ext uri="{91240B29-F687-4F45-9708-019B960494DF}">
-              <a14:hiddenLine xmlns:a14="http://schemas.microsoft.com/office/drawing/2010/main" w="9525">
+            <a:ext uri="{91240B29-F687-4f45-9708-019B960494DF}">
+              <a14:hiddenLine xmlns:a14="http://schemas.microsoft.com/office/drawing/2010/main" xmlns="" w="9525">
                 <a:solidFill>
                   <a:schemeClr val="tx1"/>
                 </a:solidFill>
@@ -5277,8 +5277,8 @@
                 <a:tailEnd/>
               </a14:hiddenLine>
             </a:ext>
-            <a:ext uri="{AF507438-7753-43E0-B8FC-AC1667EBCBE1}">
-              <a14:hiddenEffects xmlns:a14="http://schemas.microsoft.com/office/drawing/2010/main">
+            <a:ext uri="{AF507438-7753-43e0-B8FC-AC1667EBCBE1}">
+              <a14:hiddenEffects xmlns:a14="http://schemas.microsoft.com/office/drawing/2010/main" xmlns="">
                 <a:effectLst>
                   <a:outerShdw blurRad="63500" dist="38099" dir="2700000" algn="ctr" rotWithShape="0">
                     <a:schemeClr val="bg2">
@@ -5332,7 +5332,7 @@
           <a:graphicData uri="http://schemas.openxmlformats.org/presentationml/2006/ole">
             <mc:AlternateContent xmlns:mc="http://schemas.openxmlformats.org/markup-compatibility/2006">
               <mc:Choice xmlns:v="urn:schemas-microsoft-com:vml" Requires="v">
-                <p:oleObj spid="_x0000_s2203" name="Worksheet" r:id="rId4" imgW="5003800" imgH="3416300" progId="Excel.Sheet.8">
+                <p:oleObj spid="_x0000_s2225" name="Worksheet" r:id="rId4" imgW="5003800" imgH="3416300" progId="Excel.Sheet.8">
                   <p:embed/>
                 </p:oleObj>
               </mc:Choice>
@@ -5373,15 +5373,15 @@
                         <a:noFill/>
                       </a:ln>
                       <a:extLst>
-                        <a:ext uri="{909E8E84-426E-40DD-AFC4-6F175D3DCCD1}">
-                          <a14:hiddenFill xmlns:a14="http://schemas.microsoft.com/office/drawing/2010/main">
+                        <a:ext uri="{909E8E84-426E-40dd-AFC4-6F175D3DCCD1}">
+                          <a14:hiddenFill xmlns:a14="http://schemas.microsoft.com/office/drawing/2010/main" xmlns="">
                             <a:solidFill>
                               <a:srgbClr val="FFFFFF"/>
                             </a:solidFill>
                           </a14:hiddenFill>
                         </a:ext>
-                        <a:ext uri="{91240B29-F687-4F45-9708-019B960494DF}">
-                          <a14:hiddenLine xmlns:a14="http://schemas.microsoft.com/office/drawing/2010/main" w="9525">
+                        <a:ext uri="{91240B29-F687-4f45-9708-019B960494DF}">
+                          <a14:hiddenLine xmlns:a14="http://schemas.microsoft.com/office/drawing/2010/main" xmlns="" w="9525">
                             <a:solidFill>
                               <a:srgbClr val="000000"/>
                             </a:solidFill>
@@ -9457,7 +9457,7 @@
           <a:graphicData uri="http://schemas.openxmlformats.org/presentationml/2006/ole">
             <mc:AlternateContent xmlns:mc="http://schemas.openxmlformats.org/markup-compatibility/2006">
               <mc:Choice xmlns:v="urn:schemas-microsoft-com:vml" Requires="v">
-                <p:oleObj spid="_x0000_s3227" name="Worksheet" r:id="rId3" imgW="4978400" imgH="3416300" progId="Excel.Sheet.8">
+                <p:oleObj spid="_x0000_s3249" name="Worksheet" r:id="rId3" imgW="4978400" imgH="3416300" progId="Excel.Sheet.8">
                   <p:embed/>
                 </p:oleObj>
               </mc:Choice>
@@ -9499,15 +9499,15 @@
                       </a:ln>
                       <a:effectLst/>
                       <a:extLst>
-                        <a:ext uri="{909E8E84-426E-40DD-AFC4-6F175D3DCCD1}">
-                          <a14:hiddenFill xmlns:a14="http://schemas.microsoft.com/office/drawing/2010/main">
+                        <a:ext uri="{909E8E84-426E-40dd-AFC4-6F175D3DCCD1}">
+                          <a14:hiddenFill xmlns:a14="http://schemas.microsoft.com/office/drawing/2010/main" xmlns="">
                             <a:solidFill>
                               <a:srgbClr val="FFFFFF"/>
                             </a:solidFill>
                           </a14:hiddenFill>
                         </a:ext>
-                        <a:ext uri="{91240B29-F687-4F45-9708-019B960494DF}">
-                          <a14:hiddenLine xmlns:a14="http://schemas.microsoft.com/office/drawing/2010/main" w="9525">
+                        <a:ext uri="{91240B29-F687-4f45-9708-019B960494DF}">
+                          <a14:hiddenLine xmlns:a14="http://schemas.microsoft.com/office/drawing/2010/main" xmlns="" w="9525">
                             <a:solidFill>
                               <a:srgbClr val="000000"/>
                             </a:solidFill>
@@ -9516,8 +9516,8 @@
                             <a:tailEnd/>
                           </a14:hiddenLine>
                         </a:ext>
-                        <a:ext uri="{AF507438-7753-43E0-B8FC-AC1667EBCBE1}">
-                          <a14:hiddenEffects xmlns:a14="http://schemas.microsoft.com/office/drawing/2010/main">
+                        <a:ext uri="{AF507438-7753-43e0-B8FC-AC1667EBCBE1}">
+                          <a14:hiddenEffects xmlns:a14="http://schemas.microsoft.com/office/drawing/2010/main" xmlns="">
                             <a:effectLst>
                               <a:outerShdw dist="35921" dir="2700000" algn="ctr" rotWithShape="0">
                                 <a:srgbClr val="808080">
@@ -10255,7 +10255,7 @@
           <a:graphicData uri="http://schemas.openxmlformats.org/presentationml/2006/ole">
             <mc:AlternateContent xmlns:mc="http://schemas.openxmlformats.org/markup-compatibility/2006">
               <mc:Choice xmlns:v="urn:schemas-microsoft-com:vml" Requires="v">
-                <p:oleObj spid="_x0000_s4251" name="Chart" r:id="rId3" imgW="6096090" imgH="4067280" progId="MSGraph.Chart.8">
+                <p:oleObj spid="_x0000_s4273" name="Chart" r:id="rId3" imgW="6096090" imgH="4067280" progId="MSGraph.Chart.8">
                   <p:embed followColorScheme="full"/>
                 </p:oleObj>
               </mc:Choice>
@@ -10291,15 +10291,15 @@
                       </a:ln>
                       <a:effectLst/>
                       <a:extLst>
-                        <a:ext uri="{909E8E84-426E-40DD-AFC4-6F175D3DCCD1}">
-                          <a14:hiddenFill xmlns:a14="http://schemas.microsoft.com/office/drawing/2010/main">
+                        <a:ext uri="{909E8E84-426E-40dd-AFC4-6F175D3DCCD1}">
+                          <a14:hiddenFill xmlns:a14="http://schemas.microsoft.com/office/drawing/2010/main" xmlns="">
                             <a:solidFill>
                               <a:srgbClr val="FFFFFF"/>
                             </a:solidFill>
                           </a14:hiddenFill>
                         </a:ext>
-                        <a:ext uri="{91240B29-F687-4F45-9708-019B960494DF}">
-                          <a14:hiddenLine xmlns:a14="http://schemas.microsoft.com/office/drawing/2010/main" w="9525">
+                        <a:ext uri="{91240B29-F687-4f45-9708-019B960494DF}">
+                          <a14:hiddenLine xmlns:a14="http://schemas.microsoft.com/office/drawing/2010/main" xmlns="" w="9525">
                             <a:solidFill>
                               <a:srgbClr val="000000"/>
                             </a:solidFill>
@@ -10308,8 +10308,8 @@
                             <a:tailEnd/>
                           </a14:hiddenLine>
                         </a:ext>
-                        <a:ext uri="{AF507438-7753-43E0-B8FC-AC1667EBCBE1}">
-                          <a14:hiddenEffects xmlns:a14="http://schemas.microsoft.com/office/drawing/2010/main">
+                        <a:ext uri="{AF507438-7753-43e0-B8FC-AC1667EBCBE1}">
+                          <a14:hiddenEffects xmlns:a14="http://schemas.microsoft.com/office/drawing/2010/main" xmlns="">
                             <a:effectLst>
                               <a:outerShdw dist="35921" dir="2700000" algn="ctr" rotWithShape="0">
                                 <a:srgbClr val="808080">
@@ -10739,7 +10739,7 @@
           <a:graphicData uri="http://schemas.openxmlformats.org/presentationml/2006/ole">
             <mc:AlternateContent xmlns:mc="http://schemas.openxmlformats.org/markup-compatibility/2006">
               <mc:Choice xmlns:v="urn:schemas-microsoft-com:vml" Requires="v">
-                <p:oleObj spid="_x0000_s5275" name="Worksheet" r:id="rId3" imgW="1054100" imgH="4953000" progId="Excel.Sheet.8">
+                <p:oleObj spid="_x0000_s5297" name="Worksheet" r:id="rId3" imgW="1054100" imgH="4953000" progId="Excel.Sheet.8">
                   <p:embed/>
                 </p:oleObj>
               </mc:Choice>
@@ -10781,15 +10781,15 @@
                       </a:ln>
                       <a:effectLst/>
                       <a:extLst>
-                        <a:ext uri="{909E8E84-426E-40DD-AFC4-6F175D3DCCD1}">
-                          <a14:hiddenFill xmlns:a14="http://schemas.microsoft.com/office/drawing/2010/main">
+                        <a:ext uri="{909E8E84-426E-40dd-AFC4-6F175D3DCCD1}">
+                          <a14:hiddenFill xmlns:a14="http://schemas.microsoft.com/office/drawing/2010/main" xmlns="">
                             <a:solidFill>
                               <a:schemeClr val="accent1"/>
                             </a:solidFill>
                           </a14:hiddenFill>
                         </a:ext>
-                        <a:ext uri="{91240B29-F687-4F45-9708-019B960494DF}">
-                          <a14:hiddenLine xmlns:a14="http://schemas.microsoft.com/office/drawing/2010/main" w="9525">
+                        <a:ext uri="{91240B29-F687-4f45-9708-019B960494DF}">
+                          <a14:hiddenLine xmlns:a14="http://schemas.microsoft.com/office/drawing/2010/main" xmlns="" w="9525">
                             <a:solidFill>
                               <a:schemeClr val="tx1"/>
                             </a:solidFill>
@@ -10798,8 +10798,8 @@
                             <a:tailEnd/>
                           </a14:hiddenLine>
                         </a:ext>
-                        <a:ext uri="{AF507438-7753-43E0-B8FC-AC1667EBCBE1}">
-                          <a14:hiddenEffects xmlns:a14="http://schemas.microsoft.com/office/drawing/2010/main">
+                        <a:ext uri="{AF507438-7753-43e0-B8FC-AC1667EBCBE1}">
+                          <a14:hiddenEffects xmlns:a14="http://schemas.microsoft.com/office/drawing/2010/main" xmlns="">
                             <a:effectLst>
                               <a:outerShdw dist="35921" dir="2700000" algn="ctr" rotWithShape="0">
                                 <a:schemeClr val="bg2">
@@ -10840,15 +10840,15 @@
           </a:ln>
           <a:effectLst/>
           <a:extLst>
-            <a:ext uri="{909E8E84-426E-40DD-AFC4-6F175D3DCCD1}">
-              <a14:hiddenFill xmlns:a14="http://schemas.microsoft.com/office/drawing/2010/main">
+            <a:ext uri="{909E8E84-426E-40dd-AFC4-6F175D3DCCD1}">
+              <a14:hiddenFill xmlns:a14="http://schemas.microsoft.com/office/drawing/2010/main" xmlns="">
                 <a:solidFill>
                   <a:schemeClr val="accent1"/>
                 </a:solidFill>
               </a14:hiddenFill>
             </a:ext>
-            <a:ext uri="{91240B29-F687-4F45-9708-019B960494DF}">
-              <a14:hiddenLine xmlns:a14="http://schemas.microsoft.com/office/drawing/2010/main" w="9525">
+            <a:ext uri="{91240B29-F687-4f45-9708-019B960494DF}">
+              <a14:hiddenLine xmlns:a14="http://schemas.microsoft.com/office/drawing/2010/main" xmlns="" w="9525">
                 <a:solidFill>
                   <a:schemeClr val="tx1"/>
                 </a:solidFill>
@@ -10857,8 +10857,8 @@
                 <a:tailEnd/>
               </a14:hiddenLine>
             </a:ext>
-            <a:ext uri="{AF507438-7753-43E0-B8FC-AC1667EBCBE1}">
-              <a14:hiddenEffects xmlns:a14="http://schemas.microsoft.com/office/drawing/2010/main">
+            <a:ext uri="{AF507438-7753-43e0-B8FC-AC1667EBCBE1}">
+              <a14:hiddenEffects xmlns:a14="http://schemas.microsoft.com/office/drawing/2010/main" xmlns="">
                 <a:effectLst>
                   <a:outerShdw blurRad="63500" dist="38099" dir="2700000" algn="ctr" rotWithShape="0">
                     <a:schemeClr val="bg2">
@@ -10918,15 +10918,15 @@
           </a:ln>
           <a:effectLst/>
           <a:extLst>
-            <a:ext uri="{909E8E84-426E-40DD-AFC4-6F175D3DCCD1}">
-              <a14:hiddenFill xmlns:a14="http://schemas.microsoft.com/office/drawing/2010/main">
+            <a:ext uri="{909E8E84-426E-40dd-AFC4-6F175D3DCCD1}">
+              <a14:hiddenFill xmlns:a14="http://schemas.microsoft.com/office/drawing/2010/main" xmlns="">
                 <a:solidFill>
                   <a:schemeClr val="accent1"/>
                 </a:solidFill>
               </a14:hiddenFill>
             </a:ext>
-            <a:ext uri="{AF507438-7753-43E0-B8FC-AC1667EBCBE1}">
-              <a14:hiddenEffects xmlns:a14="http://schemas.microsoft.com/office/drawing/2010/main">
+            <a:ext uri="{AF507438-7753-43e0-B8FC-AC1667EBCBE1}">
+              <a14:hiddenEffects xmlns:a14="http://schemas.microsoft.com/office/drawing/2010/main" xmlns="">
                 <a:effectLst>
                   <a:outerShdw blurRad="63500" dist="38099" dir="2700000" algn="ctr" rotWithShape="0">
                     <a:schemeClr val="bg2">
@@ -10968,15 +10968,15 @@
           </a:ln>
           <a:effectLst/>
           <a:extLst>
-            <a:ext uri="{909E8E84-426E-40DD-AFC4-6F175D3DCCD1}">
-              <a14:hiddenFill xmlns:a14="http://schemas.microsoft.com/office/drawing/2010/main">
+            <a:ext uri="{909E8E84-426E-40dd-AFC4-6F175D3DCCD1}">
+              <a14:hiddenFill xmlns:a14="http://schemas.microsoft.com/office/drawing/2010/main" xmlns="">
                 <a:solidFill>
                   <a:schemeClr val="accent1"/>
                 </a:solidFill>
               </a14:hiddenFill>
             </a:ext>
-            <a:ext uri="{91240B29-F687-4F45-9708-019B960494DF}">
-              <a14:hiddenLine xmlns:a14="http://schemas.microsoft.com/office/drawing/2010/main" w="9525">
+            <a:ext uri="{91240B29-F687-4f45-9708-019B960494DF}">
+              <a14:hiddenLine xmlns:a14="http://schemas.microsoft.com/office/drawing/2010/main" xmlns="" w="9525">
                 <a:solidFill>
                   <a:schemeClr val="tx1"/>
                 </a:solidFill>
@@ -10985,8 +10985,8 @@
                 <a:tailEnd/>
               </a14:hiddenLine>
             </a:ext>
-            <a:ext uri="{AF507438-7753-43E0-B8FC-AC1667EBCBE1}">
-              <a14:hiddenEffects xmlns:a14="http://schemas.microsoft.com/office/drawing/2010/main">
+            <a:ext uri="{AF507438-7753-43e0-B8FC-AC1667EBCBE1}">
+              <a14:hiddenEffects xmlns:a14="http://schemas.microsoft.com/office/drawing/2010/main" xmlns="">
                 <a:effectLst>
                   <a:outerShdw blurRad="63500" dist="38099" dir="2700000" algn="ctr" rotWithShape="0">
                     <a:schemeClr val="bg2">
@@ -11895,7 +11895,7 @@
           <a:graphicData uri="http://schemas.openxmlformats.org/presentationml/2006/ole">
             <mc:AlternateContent xmlns:mc="http://schemas.openxmlformats.org/markup-compatibility/2006">
               <mc:Choice xmlns:v="urn:schemas-microsoft-com:vml" Requires="v">
-                <p:oleObj spid="_x0000_s6299" name="Worksheet" r:id="rId3" imgW="1054100" imgH="4953000" progId="Excel.Sheet.8">
+                <p:oleObj spid="_x0000_s6321" name="Worksheet" r:id="rId3" imgW="1054100" imgH="4953000" progId="Excel.Sheet.8">
                   <p:embed/>
                 </p:oleObj>
               </mc:Choice>
@@ -11937,15 +11937,15 @@
                       </a:ln>
                       <a:effectLst/>
                       <a:extLst>
-                        <a:ext uri="{909E8E84-426E-40DD-AFC4-6F175D3DCCD1}">
-                          <a14:hiddenFill xmlns:a14="http://schemas.microsoft.com/office/drawing/2010/main">
+                        <a:ext uri="{909E8E84-426E-40dd-AFC4-6F175D3DCCD1}">
+                          <a14:hiddenFill xmlns:a14="http://schemas.microsoft.com/office/drawing/2010/main" xmlns="">
                             <a:solidFill>
                               <a:schemeClr val="accent1"/>
                             </a:solidFill>
                           </a14:hiddenFill>
                         </a:ext>
-                        <a:ext uri="{91240B29-F687-4F45-9708-019B960494DF}">
-                          <a14:hiddenLine xmlns:a14="http://schemas.microsoft.com/office/drawing/2010/main" w="9525">
+                        <a:ext uri="{91240B29-F687-4f45-9708-019B960494DF}">
+                          <a14:hiddenLine xmlns:a14="http://schemas.microsoft.com/office/drawing/2010/main" xmlns="" w="9525">
                             <a:solidFill>
                               <a:schemeClr val="tx1"/>
                             </a:solidFill>
@@ -11954,8 +11954,8 @@
                             <a:tailEnd/>
                           </a14:hiddenLine>
                         </a:ext>
-                        <a:ext uri="{AF507438-7753-43E0-B8FC-AC1667EBCBE1}">
-                          <a14:hiddenEffects xmlns:a14="http://schemas.microsoft.com/office/drawing/2010/main">
+                        <a:ext uri="{AF507438-7753-43e0-B8FC-AC1667EBCBE1}">
+                          <a14:hiddenEffects xmlns:a14="http://schemas.microsoft.com/office/drawing/2010/main" xmlns="">
                             <a:effectLst>
                               <a:outerShdw dist="35921" dir="2700000" algn="ctr" rotWithShape="0">
                                 <a:schemeClr val="bg2">
@@ -12003,15 +12003,15 @@
           </a:ln>
           <a:effectLst/>
           <a:extLst>
-            <a:ext uri="{909E8E84-426E-40DD-AFC4-6F175D3DCCD1}">
-              <a14:hiddenFill xmlns:a14="http://schemas.microsoft.com/office/drawing/2010/main">
+            <a:ext uri="{909E8E84-426E-40dd-AFC4-6F175D3DCCD1}">
+              <a14:hiddenFill xmlns:a14="http://schemas.microsoft.com/office/drawing/2010/main" xmlns="">
                 <a:solidFill>
                   <a:schemeClr val="accent1"/>
                 </a:solidFill>
               </a14:hiddenFill>
             </a:ext>
-            <a:ext uri="{AF507438-7753-43E0-B8FC-AC1667EBCBE1}">
-              <a14:hiddenEffects xmlns:a14="http://schemas.microsoft.com/office/drawing/2010/main">
+            <a:ext uri="{AF507438-7753-43e0-B8FC-AC1667EBCBE1}">
+              <a14:hiddenEffects xmlns:a14="http://schemas.microsoft.com/office/drawing/2010/main" xmlns="">
                 <a:effectLst>
                   <a:outerShdw blurRad="63500" dist="38099" dir="2700000" algn="ctr" rotWithShape="0">
                     <a:schemeClr val="bg2">
@@ -12062,15 +12062,15 @@
           </a:ln>
           <a:effectLst/>
           <a:extLst>
-            <a:ext uri="{909E8E84-426E-40DD-AFC4-6F175D3DCCD1}">
-              <a14:hiddenFill xmlns:a14="http://schemas.microsoft.com/office/drawing/2010/main">
+            <a:ext uri="{909E8E84-426E-40dd-AFC4-6F175D3DCCD1}">
+              <a14:hiddenFill xmlns:a14="http://schemas.microsoft.com/office/drawing/2010/main" xmlns="">
                 <a:solidFill>
                   <a:schemeClr val="accent1"/>
                 </a:solidFill>
               </a14:hiddenFill>
             </a:ext>
-            <a:ext uri="{AF507438-7753-43E0-B8FC-AC1667EBCBE1}">
-              <a14:hiddenEffects xmlns:a14="http://schemas.microsoft.com/office/drawing/2010/main">
+            <a:ext uri="{AF507438-7753-43e0-B8FC-AC1667EBCBE1}">
+              <a14:hiddenEffects xmlns:a14="http://schemas.microsoft.com/office/drawing/2010/main" xmlns="">
                 <a:effectLst>
                   <a:outerShdw blurRad="63500" dist="38099" dir="2700000" algn="ctr" rotWithShape="0">
                     <a:schemeClr val="bg2">
@@ -12114,15 +12114,15 @@
           </a:ln>
           <a:effectLst/>
           <a:extLst>
-            <a:ext uri="{909E8E84-426E-40DD-AFC4-6F175D3DCCD1}">
-              <a14:hiddenFill xmlns:a14="http://schemas.microsoft.com/office/drawing/2010/main">
+            <a:ext uri="{909E8E84-426E-40dd-AFC4-6F175D3DCCD1}">
+              <a14:hiddenFill xmlns:a14="http://schemas.microsoft.com/office/drawing/2010/main" xmlns="">
                 <a:solidFill>
                   <a:schemeClr val="accent1"/>
                 </a:solidFill>
               </a14:hiddenFill>
             </a:ext>
-            <a:ext uri="{91240B29-F687-4F45-9708-019B960494DF}">
-              <a14:hiddenLine xmlns:a14="http://schemas.microsoft.com/office/drawing/2010/main" w="9525">
+            <a:ext uri="{91240B29-F687-4f45-9708-019B960494DF}">
+              <a14:hiddenLine xmlns:a14="http://schemas.microsoft.com/office/drawing/2010/main" xmlns="" w="9525">
                 <a:solidFill>
                   <a:schemeClr val="tx1"/>
                 </a:solidFill>
@@ -12131,8 +12131,8 @@
                 <a:tailEnd/>
               </a14:hiddenLine>
             </a:ext>
-            <a:ext uri="{AF507438-7753-43E0-B8FC-AC1667EBCBE1}">
-              <a14:hiddenEffects xmlns:a14="http://schemas.microsoft.com/office/drawing/2010/main">
+            <a:ext uri="{AF507438-7753-43e0-B8FC-AC1667EBCBE1}">
+              <a14:hiddenEffects xmlns:a14="http://schemas.microsoft.com/office/drawing/2010/main" xmlns="">
                 <a:effectLst>
                   <a:outerShdw blurRad="63500" dist="38099" dir="2700000" algn="ctr" rotWithShape="0">
                     <a:schemeClr val="bg2">
@@ -12197,15 +12197,15 @@
           </a:ln>
           <a:effectLst/>
           <a:extLst>
-            <a:ext uri="{909E8E84-426E-40DD-AFC4-6F175D3DCCD1}">
-              <a14:hiddenFill xmlns:a14="http://schemas.microsoft.com/office/drawing/2010/main">
+            <a:ext uri="{909E8E84-426E-40dd-AFC4-6F175D3DCCD1}">
+              <a14:hiddenFill xmlns:a14="http://schemas.microsoft.com/office/drawing/2010/main" xmlns="">
                 <a:solidFill>
                   <a:schemeClr val="accent1"/>
                 </a:solidFill>
               </a14:hiddenFill>
             </a:ext>
-            <a:ext uri="{91240B29-F687-4F45-9708-019B960494DF}">
-              <a14:hiddenLine xmlns:a14="http://schemas.microsoft.com/office/drawing/2010/main" w="9525">
+            <a:ext uri="{91240B29-F687-4f45-9708-019B960494DF}">
+              <a14:hiddenLine xmlns:a14="http://schemas.microsoft.com/office/drawing/2010/main" xmlns="" w="9525">
                 <a:solidFill>
                   <a:schemeClr val="tx1"/>
                 </a:solidFill>
@@ -12214,8 +12214,8 @@
                 <a:tailEnd/>
               </a14:hiddenLine>
             </a:ext>
-            <a:ext uri="{AF507438-7753-43E0-B8FC-AC1667EBCBE1}">
-              <a14:hiddenEffects xmlns:a14="http://schemas.microsoft.com/office/drawing/2010/main">
+            <a:ext uri="{AF507438-7753-43e0-B8FC-AC1667EBCBE1}">
+              <a14:hiddenEffects xmlns:a14="http://schemas.microsoft.com/office/drawing/2010/main" xmlns="">
                 <a:effectLst>
                   <a:outerShdw blurRad="63500" dist="38099" dir="2700000" algn="ctr" rotWithShape="0">
                     <a:schemeClr val="bg2">
@@ -12879,15 +12879,15 @@
           </a:ln>
           <a:effectLst/>
           <a:extLst>
-            <a:ext uri="{909E8E84-426E-40DD-AFC4-6F175D3DCCD1}">
-              <a14:hiddenFill xmlns:a14="http://schemas.microsoft.com/office/drawing/2010/main">
+            <a:ext uri="{909E8E84-426E-40dd-AFC4-6F175D3DCCD1}">
+              <a14:hiddenFill xmlns:a14="http://schemas.microsoft.com/office/drawing/2010/main" xmlns="">
                 <a:solidFill>
                   <a:schemeClr val="accent1"/>
                 </a:solidFill>
               </a14:hiddenFill>
             </a:ext>
-            <a:ext uri="{91240B29-F687-4F45-9708-019B960494DF}">
-              <a14:hiddenLine xmlns:a14="http://schemas.microsoft.com/office/drawing/2010/main" w="9525">
+            <a:ext uri="{91240B29-F687-4f45-9708-019B960494DF}">
+              <a14:hiddenLine xmlns:a14="http://schemas.microsoft.com/office/drawing/2010/main" xmlns="" w="9525">
                 <a:solidFill>
                   <a:schemeClr val="tx1"/>
                 </a:solidFill>
@@ -12896,8 +12896,8 @@
                 <a:tailEnd/>
               </a14:hiddenLine>
             </a:ext>
-            <a:ext uri="{AF507438-7753-43E0-B8FC-AC1667EBCBE1}">
-              <a14:hiddenEffects xmlns:a14="http://schemas.microsoft.com/office/drawing/2010/main">
+            <a:ext uri="{AF507438-7753-43e0-B8FC-AC1667EBCBE1}">
+              <a14:hiddenEffects xmlns:a14="http://schemas.microsoft.com/office/drawing/2010/main" xmlns="">
                 <a:effectLst>
                   <a:outerShdw blurRad="63500" dist="38099" dir="2700000" algn="ctr" rotWithShape="0">
                     <a:schemeClr val="bg2">
@@ -12952,8 +12952,8 @@
           </a:ln>
           <a:effectLst/>
           <a:extLst>
-            <a:ext uri="{91240B29-F687-4F45-9708-019B960494DF}">
-              <a14:hiddenLine xmlns:a14="http://schemas.microsoft.com/office/drawing/2010/main" w="9525">
+            <a:ext uri="{91240B29-F687-4f45-9708-019B960494DF}">
+              <a14:hiddenLine xmlns:a14="http://schemas.microsoft.com/office/drawing/2010/main" xmlns="" w="9525">
                 <a:solidFill>
                   <a:schemeClr val="tx1"/>
                 </a:solidFill>
@@ -12962,8 +12962,8 @@
                 <a:tailEnd/>
               </a14:hiddenLine>
             </a:ext>
-            <a:ext uri="{AF507438-7753-43E0-B8FC-AC1667EBCBE1}">
-              <a14:hiddenEffects xmlns:a14="http://schemas.microsoft.com/office/drawing/2010/main">
+            <a:ext uri="{AF507438-7753-43e0-B8FC-AC1667EBCBE1}">
+              <a14:hiddenEffects xmlns:a14="http://schemas.microsoft.com/office/drawing/2010/main" xmlns="">
                 <a:effectLst>
                   <a:outerShdw blurRad="63500" dist="38099" dir="2700000" algn="ctr" rotWithShape="0">
                     <a:schemeClr val="bg2">
@@ -13070,7 +13070,7 @@
           <a:graphicData uri="http://schemas.openxmlformats.org/presentationml/2006/ole">
             <mc:AlternateContent xmlns:mc="http://schemas.openxmlformats.org/markup-compatibility/2006">
               <mc:Choice xmlns:v="urn:schemas-microsoft-com:vml" Requires="v">
-                <p:oleObj spid="_x0000_s7373" name="Equation" r:id="rId4" imgW="2806700" imgH="393700" progId="Equation.3">
+                <p:oleObj spid="_x0000_s7395" name="Equation" r:id="rId4" imgW="2806700" imgH="393700" progId="Equation.3">
                   <p:embed/>
                 </p:oleObj>
               </mc:Choice>
@@ -13114,8 +13114,8 @@
                       </a:ln>
                       <a:effectLst/>
                       <a:extLst>
-                        <a:ext uri="{91240B29-F687-4F45-9708-019B960494DF}">
-                          <a14:hiddenLine xmlns:a14="http://schemas.microsoft.com/office/drawing/2010/main" w="9525">
+                        <a:ext uri="{91240B29-F687-4f45-9708-019B960494DF}">
+                          <a14:hiddenLine xmlns:a14="http://schemas.microsoft.com/office/drawing/2010/main" xmlns="" w="9525">
                             <a:solidFill>
                               <a:srgbClr val="000000"/>
                             </a:solidFill>
@@ -13124,8 +13124,8 @@
                             <a:tailEnd/>
                           </a14:hiddenLine>
                         </a:ext>
-                        <a:ext uri="{AF507438-7753-43E0-B8FC-AC1667EBCBE1}">
-                          <a14:hiddenEffects xmlns:a14="http://schemas.microsoft.com/office/drawing/2010/main">
+                        <a:ext uri="{AF507438-7753-43e0-B8FC-AC1667EBCBE1}">
+                          <a14:hiddenEffects xmlns:a14="http://schemas.microsoft.com/office/drawing/2010/main" xmlns="">
                             <a:effectLst>
                               <a:outerShdw dist="35921" dir="2700000" algn="ctr" rotWithShape="0">
                                 <a:srgbClr val="808080">
@@ -13168,8 +13168,8 @@
           </a:ln>
           <a:effectLst/>
           <a:extLst>
-            <a:ext uri="{91240B29-F687-4F45-9708-019B960494DF}">
-              <a14:hiddenLine xmlns:a14="http://schemas.microsoft.com/office/drawing/2010/main" w="9525">
+            <a:ext uri="{91240B29-F687-4f45-9708-019B960494DF}">
+              <a14:hiddenLine xmlns:a14="http://schemas.microsoft.com/office/drawing/2010/main" xmlns="" w="9525">
                 <a:solidFill>
                   <a:schemeClr val="tx1"/>
                 </a:solidFill>
@@ -13178,8 +13178,8 @@
                 <a:tailEnd/>
               </a14:hiddenLine>
             </a:ext>
-            <a:ext uri="{AF507438-7753-43E0-B8FC-AC1667EBCBE1}">
-              <a14:hiddenEffects xmlns:a14="http://schemas.microsoft.com/office/drawing/2010/main">
+            <a:ext uri="{AF507438-7753-43e0-B8FC-AC1667EBCBE1}">
+              <a14:hiddenEffects xmlns:a14="http://schemas.microsoft.com/office/drawing/2010/main" xmlns="">
                 <a:effectLst>
                   <a:outerShdw blurRad="63500" dist="38099" dir="2700000" algn="ctr" rotWithShape="0">
                     <a:schemeClr val="bg2">
@@ -13497,15 +13497,15 @@
           </a:ln>
           <a:effectLst/>
           <a:extLst>
-            <a:ext uri="{909E8E84-426E-40DD-AFC4-6F175D3DCCD1}">
-              <a14:hiddenFill xmlns:a14="http://schemas.microsoft.com/office/drawing/2010/main">
+            <a:ext uri="{909E8E84-426E-40dd-AFC4-6F175D3DCCD1}">
+              <a14:hiddenFill xmlns:a14="http://schemas.microsoft.com/office/drawing/2010/main" xmlns="">
                 <a:solidFill>
                   <a:schemeClr val="accent1"/>
                 </a:solidFill>
               </a14:hiddenFill>
             </a:ext>
-            <a:ext uri="{AF507438-7753-43E0-B8FC-AC1667EBCBE1}">
-              <a14:hiddenEffects xmlns:a14="http://schemas.microsoft.com/office/drawing/2010/main">
+            <a:ext uri="{AF507438-7753-43e0-B8FC-AC1667EBCBE1}">
+              <a14:hiddenEffects xmlns:a14="http://schemas.microsoft.com/office/drawing/2010/main" xmlns="">
                 <a:effectLst>
                   <a:outerShdw blurRad="63500" dist="38099" dir="2700000" algn="ctr" rotWithShape="0">
                     <a:schemeClr val="bg2">
@@ -13549,7 +13549,7 @@
           <a:graphicData uri="http://schemas.openxmlformats.org/presentationml/2006/ole">
             <mc:AlternateContent xmlns:mc="http://schemas.openxmlformats.org/markup-compatibility/2006">
               <mc:Choice xmlns:v="urn:schemas-microsoft-com:vml" Requires="v">
-                <p:oleObj spid="_x0000_s11725" name="Equation" r:id="rId3" imgW="1041400" imgH="431800" progId="Equation.3">
+                <p:oleObj spid="_x0000_s11789" name="Equation" r:id="rId3" imgW="1041400" imgH="431800" progId="Equation.3">
                   <p:embed/>
                 </p:oleObj>
               </mc:Choice>
@@ -13591,15 +13591,15 @@
                       </a:ln>
                       <a:effectLst/>
                       <a:extLst>
-                        <a:ext uri="{909E8E84-426E-40DD-AFC4-6F175D3DCCD1}">
-                          <a14:hiddenFill xmlns:a14="http://schemas.microsoft.com/office/drawing/2010/main">
+                        <a:ext uri="{909E8E84-426E-40dd-AFC4-6F175D3DCCD1}">
+                          <a14:hiddenFill xmlns:a14="http://schemas.microsoft.com/office/drawing/2010/main" xmlns="">
                             <a:solidFill>
                               <a:srgbClr val="FFFFFF"/>
                             </a:solidFill>
                           </a14:hiddenFill>
                         </a:ext>
-                        <a:ext uri="{91240B29-F687-4F45-9708-019B960494DF}">
-                          <a14:hiddenLine xmlns:a14="http://schemas.microsoft.com/office/drawing/2010/main" w="9525">
+                        <a:ext uri="{91240B29-F687-4f45-9708-019B960494DF}">
+                          <a14:hiddenLine xmlns:a14="http://schemas.microsoft.com/office/drawing/2010/main" xmlns="" w="9525">
                             <a:solidFill>
                               <a:srgbClr val="000000"/>
                             </a:solidFill>
@@ -13608,8 +13608,8 @@
                             <a:tailEnd/>
                           </a14:hiddenLine>
                         </a:ext>
-                        <a:ext uri="{AF507438-7753-43E0-B8FC-AC1667EBCBE1}">
-                          <a14:hiddenEffects xmlns:a14="http://schemas.microsoft.com/office/drawing/2010/main">
+                        <a:ext uri="{AF507438-7753-43e0-B8FC-AC1667EBCBE1}">
+                          <a14:hiddenEffects xmlns:a14="http://schemas.microsoft.com/office/drawing/2010/main" xmlns="">
                             <a:effectLst>
                               <a:outerShdw dist="35921" dir="2700000" algn="ctr" rotWithShape="0">
                                 <a:srgbClr val="808080">
@@ -13650,7 +13650,7 @@
           <a:graphicData uri="http://schemas.openxmlformats.org/presentationml/2006/ole">
             <mc:AlternateContent xmlns:mc="http://schemas.openxmlformats.org/markup-compatibility/2006">
               <mc:Choice xmlns:v="urn:schemas-microsoft-com:vml" Requires="v">
-                <p:oleObj spid="_x0000_s11726" name="Chart" r:id="rId5" imgW="6096090" imgH="4067280" progId="MSGraph.Chart.8">
+                <p:oleObj spid="_x0000_s11790" name="Chart" r:id="rId5" imgW="6096090" imgH="4067280" progId="MSGraph.Chart.8">
                   <p:embed followColorScheme="full"/>
                 </p:oleObj>
               </mc:Choice>
@@ -13686,15 +13686,15 @@
                       </a:ln>
                       <a:effectLst/>
                       <a:extLst>
-                        <a:ext uri="{909E8E84-426E-40DD-AFC4-6F175D3DCCD1}">
-                          <a14:hiddenFill xmlns:a14="http://schemas.microsoft.com/office/drawing/2010/main">
+                        <a:ext uri="{909E8E84-426E-40dd-AFC4-6F175D3DCCD1}">
+                          <a14:hiddenFill xmlns:a14="http://schemas.microsoft.com/office/drawing/2010/main" xmlns="">
                             <a:solidFill>
                               <a:srgbClr val="FFFFFF"/>
                             </a:solidFill>
                           </a14:hiddenFill>
                         </a:ext>
-                        <a:ext uri="{91240B29-F687-4F45-9708-019B960494DF}">
-                          <a14:hiddenLine xmlns:a14="http://schemas.microsoft.com/office/drawing/2010/main" w="9525">
+                        <a:ext uri="{91240B29-F687-4f45-9708-019B960494DF}">
+                          <a14:hiddenLine xmlns:a14="http://schemas.microsoft.com/office/drawing/2010/main" xmlns="" w="9525">
                             <a:solidFill>
                               <a:srgbClr val="000000"/>
                             </a:solidFill>
@@ -13703,8 +13703,8 @@
                             <a:tailEnd/>
                           </a14:hiddenLine>
                         </a:ext>
-                        <a:ext uri="{AF507438-7753-43E0-B8FC-AC1667EBCBE1}">
-                          <a14:hiddenEffects xmlns:a14="http://schemas.microsoft.com/office/drawing/2010/main">
+                        <a:ext uri="{AF507438-7753-43e0-B8FC-AC1667EBCBE1}">
+                          <a14:hiddenEffects xmlns:a14="http://schemas.microsoft.com/office/drawing/2010/main" xmlns="">
                             <a:effectLst>
                               <a:outerShdw dist="35921" dir="2700000" algn="ctr" rotWithShape="0">
                                 <a:srgbClr val="808080">
@@ -13745,15 +13745,15 @@
           </a:ln>
           <a:effectLst/>
           <a:extLst>
-            <a:ext uri="{909E8E84-426E-40DD-AFC4-6F175D3DCCD1}">
-              <a14:hiddenFill xmlns:a14="http://schemas.microsoft.com/office/drawing/2010/main">
+            <a:ext uri="{909E8E84-426E-40dd-AFC4-6F175D3DCCD1}">
+              <a14:hiddenFill xmlns:a14="http://schemas.microsoft.com/office/drawing/2010/main" xmlns="">
                 <a:solidFill>
                   <a:schemeClr val="accent1"/>
                 </a:solidFill>
               </a14:hiddenFill>
             </a:ext>
-            <a:ext uri="{91240B29-F687-4F45-9708-019B960494DF}">
-              <a14:hiddenLine xmlns:a14="http://schemas.microsoft.com/office/drawing/2010/main" w="9525">
+            <a:ext uri="{91240B29-F687-4f45-9708-019B960494DF}">
+              <a14:hiddenLine xmlns:a14="http://schemas.microsoft.com/office/drawing/2010/main" xmlns="" w="9525">
                 <a:solidFill>
                   <a:schemeClr val="tx1"/>
                 </a:solidFill>
@@ -13762,8 +13762,8 @@
                 <a:tailEnd/>
               </a14:hiddenLine>
             </a:ext>
-            <a:ext uri="{AF507438-7753-43E0-B8FC-AC1667EBCBE1}">
-              <a14:hiddenEffects xmlns:a14="http://schemas.microsoft.com/office/drawing/2010/main">
+            <a:ext uri="{AF507438-7753-43e0-B8FC-AC1667EBCBE1}">
+              <a14:hiddenEffects xmlns:a14="http://schemas.microsoft.com/office/drawing/2010/main" xmlns="">
                 <a:effectLst>
                   <a:outerShdw blurRad="63500" dist="38099" dir="2700000" algn="ctr" rotWithShape="0">
                     <a:schemeClr val="bg2">
@@ -13821,13 +13821,13 @@
           </a:ln>
           <a:effectLst/>
           <a:extLst>
-            <a:ext uri="{909E8E84-426E-40DD-AFC4-6F175D3DCCD1}">
-              <a14:hiddenFill xmlns:a14="http://schemas.microsoft.com/office/drawing/2010/main">
+            <a:ext uri="{909E8E84-426E-40dd-AFC4-6F175D3DCCD1}">
+              <a14:hiddenFill xmlns:a14="http://schemas.microsoft.com/office/drawing/2010/main" xmlns="">
                 <a:noFill/>
               </a14:hiddenFill>
             </a:ext>
-            <a:ext uri="{AF507438-7753-43E0-B8FC-AC1667EBCBE1}">
-              <a14:hiddenEffects xmlns:a14="http://schemas.microsoft.com/office/drawing/2010/main">
+            <a:ext uri="{AF507438-7753-43e0-B8FC-AC1667EBCBE1}">
+              <a14:hiddenEffects xmlns:a14="http://schemas.microsoft.com/office/drawing/2010/main" xmlns="">
                 <a:effectLst>
                   <a:outerShdw blurRad="63500" dist="38099" dir="2700000" algn="ctr" rotWithShape="0">
                     <a:schemeClr val="bg2">
@@ -13875,15 +13875,15 @@
           </a:ln>
           <a:effectLst/>
           <a:extLst>
-            <a:ext uri="{909E8E84-426E-40DD-AFC4-6F175D3DCCD1}">
-              <a14:hiddenFill xmlns:a14="http://schemas.microsoft.com/office/drawing/2010/main">
+            <a:ext uri="{909E8E84-426E-40dd-AFC4-6F175D3DCCD1}">
+              <a14:hiddenFill xmlns:a14="http://schemas.microsoft.com/office/drawing/2010/main" xmlns="">
                 <a:solidFill>
                   <a:schemeClr val="accent1"/>
                 </a:solidFill>
               </a14:hiddenFill>
             </a:ext>
-            <a:ext uri="{91240B29-F687-4F45-9708-019B960494DF}">
-              <a14:hiddenLine xmlns:a14="http://schemas.microsoft.com/office/drawing/2010/main" w="9525">
+            <a:ext uri="{91240B29-F687-4f45-9708-019B960494DF}">
+              <a14:hiddenLine xmlns:a14="http://schemas.microsoft.com/office/drawing/2010/main" xmlns="" w="9525">
                 <a:solidFill>
                   <a:schemeClr val="tx1"/>
                 </a:solidFill>
@@ -13892,8 +13892,8 @@
                 <a:tailEnd/>
               </a14:hiddenLine>
             </a:ext>
-            <a:ext uri="{AF507438-7753-43E0-B8FC-AC1667EBCBE1}">
-              <a14:hiddenEffects xmlns:a14="http://schemas.microsoft.com/office/drawing/2010/main">
+            <a:ext uri="{AF507438-7753-43e0-B8FC-AC1667EBCBE1}">
+              <a14:hiddenEffects xmlns:a14="http://schemas.microsoft.com/office/drawing/2010/main" xmlns="">
                 <a:effectLst>
                   <a:outerShdw blurRad="63500" dist="38099" dir="2700000" algn="ctr" rotWithShape="0">
                     <a:schemeClr val="bg2">
@@ -13984,15 +13984,15 @@
           </a:ln>
           <a:effectLst/>
           <a:extLst>
-            <a:ext uri="{909E8E84-426E-40DD-AFC4-6F175D3DCCD1}">
-              <a14:hiddenFill xmlns:a14="http://schemas.microsoft.com/office/drawing/2010/main">
+            <a:ext uri="{909E8E84-426E-40dd-AFC4-6F175D3DCCD1}">
+              <a14:hiddenFill xmlns:a14="http://schemas.microsoft.com/office/drawing/2010/main" xmlns="">
                 <a:solidFill>
                   <a:schemeClr val="accent1"/>
                 </a:solidFill>
               </a14:hiddenFill>
             </a:ext>
-            <a:ext uri="{AF507438-7753-43E0-B8FC-AC1667EBCBE1}">
-              <a14:hiddenEffects xmlns:a14="http://schemas.microsoft.com/office/drawing/2010/main">
+            <a:ext uri="{AF507438-7753-43e0-B8FC-AC1667EBCBE1}">
+              <a14:hiddenEffects xmlns:a14="http://schemas.microsoft.com/office/drawing/2010/main" xmlns="">
                 <a:effectLst>
                   <a:outerShdw blurRad="63500" dist="38099" dir="2700000" algn="ctr" rotWithShape="0">
                     <a:schemeClr val="bg2">
@@ -14036,7 +14036,7 @@
           <a:graphicData uri="http://schemas.openxmlformats.org/presentationml/2006/ole">
             <mc:AlternateContent xmlns:mc="http://schemas.openxmlformats.org/markup-compatibility/2006">
               <mc:Choice xmlns:v="urn:schemas-microsoft-com:vml" Requires="v">
-                <p:oleObj spid="_x0000_s11727" name="Equation" r:id="rId7" imgW="622300" imgH="431800" progId="Equation.3">
+                <p:oleObj spid="_x0000_s11791" name="Equation" r:id="rId7" imgW="622300" imgH="431800" progId="Equation.3">
                   <p:embed/>
                 </p:oleObj>
               </mc:Choice>
@@ -14078,15 +14078,15 @@
                       </a:ln>
                       <a:effectLst/>
                       <a:extLst>
-                        <a:ext uri="{909E8E84-426E-40DD-AFC4-6F175D3DCCD1}">
-                          <a14:hiddenFill xmlns:a14="http://schemas.microsoft.com/office/drawing/2010/main">
+                        <a:ext uri="{909E8E84-426E-40dd-AFC4-6F175D3DCCD1}">
+                          <a14:hiddenFill xmlns:a14="http://schemas.microsoft.com/office/drawing/2010/main" xmlns="">
                             <a:solidFill>
                               <a:srgbClr val="FFFFFF"/>
                             </a:solidFill>
                           </a14:hiddenFill>
                         </a:ext>
-                        <a:ext uri="{91240B29-F687-4F45-9708-019B960494DF}">
-                          <a14:hiddenLine xmlns:a14="http://schemas.microsoft.com/office/drawing/2010/main" w="9525">
+                        <a:ext uri="{91240B29-F687-4f45-9708-019B960494DF}">
+                          <a14:hiddenLine xmlns:a14="http://schemas.microsoft.com/office/drawing/2010/main" xmlns="" w="9525">
                             <a:solidFill>
                               <a:srgbClr val="000000"/>
                             </a:solidFill>
@@ -14095,8 +14095,8 @@
                             <a:tailEnd/>
                           </a14:hiddenLine>
                         </a:ext>
-                        <a:ext uri="{AF507438-7753-43E0-B8FC-AC1667EBCBE1}">
-                          <a14:hiddenEffects xmlns:a14="http://schemas.microsoft.com/office/drawing/2010/main">
+                        <a:ext uri="{AF507438-7753-43e0-B8FC-AC1667EBCBE1}">
+                          <a14:hiddenEffects xmlns:a14="http://schemas.microsoft.com/office/drawing/2010/main" xmlns="">
                             <a:effectLst>
                               <a:outerShdw dist="35921" dir="2700000" algn="ctr" rotWithShape="0">
                                 <a:srgbClr val="808080">
@@ -14137,15 +14137,15 @@
           </a:ln>
           <a:effectLst/>
           <a:extLst>
-            <a:ext uri="{909E8E84-426E-40DD-AFC4-6F175D3DCCD1}">
-              <a14:hiddenFill xmlns:a14="http://schemas.microsoft.com/office/drawing/2010/main">
+            <a:ext uri="{909E8E84-426E-40dd-AFC4-6F175D3DCCD1}">
+              <a14:hiddenFill xmlns:a14="http://schemas.microsoft.com/office/drawing/2010/main" xmlns="">
                 <a:solidFill>
                   <a:schemeClr val="accent1"/>
                 </a:solidFill>
               </a14:hiddenFill>
             </a:ext>
-            <a:ext uri="{91240B29-F687-4F45-9708-019B960494DF}">
-              <a14:hiddenLine xmlns:a14="http://schemas.microsoft.com/office/drawing/2010/main" w="9525">
+            <a:ext uri="{91240B29-F687-4f45-9708-019B960494DF}">
+              <a14:hiddenLine xmlns:a14="http://schemas.microsoft.com/office/drawing/2010/main" xmlns="" w="9525">
                 <a:solidFill>
                   <a:schemeClr val="tx1"/>
                 </a:solidFill>
@@ -14154,8 +14154,8 @@
                 <a:tailEnd/>
               </a14:hiddenLine>
             </a:ext>
-            <a:ext uri="{AF507438-7753-43E0-B8FC-AC1667EBCBE1}">
-              <a14:hiddenEffects xmlns:a14="http://schemas.microsoft.com/office/drawing/2010/main">
+            <a:ext uri="{AF507438-7753-43e0-B8FC-AC1667EBCBE1}">
+              <a14:hiddenEffects xmlns:a14="http://schemas.microsoft.com/office/drawing/2010/main" xmlns="">
                 <a:effectLst>
                   <a:outerShdw blurRad="63500" dist="38099" dir="2700000" algn="ctr" rotWithShape="0">
                     <a:schemeClr val="bg2">
@@ -14276,15 +14276,15 @@
           </a:ln>
           <a:effectLst/>
           <a:extLst>
-            <a:ext uri="{909E8E84-426E-40DD-AFC4-6F175D3DCCD1}">
-              <a14:hiddenFill xmlns:a14="http://schemas.microsoft.com/office/drawing/2010/main">
+            <a:ext uri="{909E8E84-426E-40dd-AFC4-6F175D3DCCD1}">
+              <a14:hiddenFill xmlns:a14="http://schemas.microsoft.com/office/drawing/2010/main" xmlns="">
                 <a:solidFill>
                   <a:schemeClr val="accent1"/>
                 </a:solidFill>
               </a14:hiddenFill>
             </a:ext>
-            <a:ext uri="{AF507438-7753-43E0-B8FC-AC1667EBCBE1}">
-              <a14:hiddenEffects xmlns:a14="http://schemas.microsoft.com/office/drawing/2010/main">
+            <a:ext uri="{AF507438-7753-43e0-B8FC-AC1667EBCBE1}">
+              <a14:hiddenEffects xmlns:a14="http://schemas.microsoft.com/office/drawing/2010/main" xmlns="">
                 <a:effectLst>
                   <a:outerShdw blurRad="63500" dist="38099" dir="2700000" algn="ctr" rotWithShape="0">
                     <a:schemeClr val="bg2">
@@ -14326,7 +14326,7 @@
           <a:graphicData uri="http://schemas.openxmlformats.org/presentationml/2006/ole">
             <mc:AlternateContent xmlns:mc="http://schemas.openxmlformats.org/markup-compatibility/2006">
               <mc:Choice xmlns:v="urn:schemas-microsoft-com:vml" Requires="v">
-                <p:oleObj spid="_x0000_s12596" name="Equation" r:id="rId3" imgW="1041400" imgH="431800" progId="Equation.3">
+                <p:oleObj spid="_x0000_s12639" name="Equation" r:id="rId3" imgW="1041400" imgH="431800" progId="Equation.3">
                   <p:embed/>
                 </p:oleObj>
               </mc:Choice>
@@ -14392,7 +14392,7 @@
           <a:graphicData uri="http://schemas.openxmlformats.org/presentationml/2006/ole">
             <mc:AlternateContent xmlns:mc="http://schemas.openxmlformats.org/markup-compatibility/2006">
               <mc:Choice xmlns:v="urn:schemas-microsoft-com:vml" Requires="v">
-                <p:oleObj spid="_x0000_s12597" name="Equation" r:id="rId5" imgW="2654300" imgH="228600" progId="Equation.3">
+                <p:oleObj spid="_x0000_s12640" name="Equation" r:id="rId5" imgW="2654300" imgH="228600" progId="Equation.3">
                   <p:embed/>
                 </p:oleObj>
               </mc:Choice>
@@ -14434,15 +14434,15 @@
                       </a:ln>
                       <a:effectLst/>
                       <a:extLst>
-                        <a:ext uri="{909E8E84-426E-40DD-AFC4-6F175D3DCCD1}">
-                          <a14:hiddenFill xmlns:a14="http://schemas.microsoft.com/office/drawing/2010/main">
+                        <a:ext uri="{909E8E84-426E-40dd-AFC4-6F175D3DCCD1}">
+                          <a14:hiddenFill xmlns:a14="http://schemas.microsoft.com/office/drawing/2010/main" xmlns="">
                             <a:solidFill>
                               <a:srgbClr val="FFFFFF"/>
                             </a:solidFill>
                           </a14:hiddenFill>
                         </a:ext>
-                        <a:ext uri="{91240B29-F687-4F45-9708-019B960494DF}">
-                          <a14:hiddenLine xmlns:a14="http://schemas.microsoft.com/office/drawing/2010/main" w="9525">
+                        <a:ext uri="{91240B29-F687-4f45-9708-019B960494DF}">
+                          <a14:hiddenLine xmlns:a14="http://schemas.microsoft.com/office/drawing/2010/main" xmlns="" w="9525">
                             <a:solidFill>
                               <a:srgbClr val="000000"/>
                             </a:solidFill>
@@ -14451,8 +14451,8 @@
                             <a:tailEnd/>
                           </a14:hiddenLine>
                         </a:ext>
-                        <a:ext uri="{AF507438-7753-43E0-B8FC-AC1667EBCBE1}">
-                          <a14:hiddenEffects xmlns:a14="http://schemas.microsoft.com/office/drawing/2010/main">
+                        <a:ext uri="{AF507438-7753-43e0-B8FC-AC1667EBCBE1}">
+                          <a14:hiddenEffects xmlns:a14="http://schemas.microsoft.com/office/drawing/2010/main" xmlns="">
                             <a:effectLst>
                               <a:outerShdw dist="35921" dir="2700000" algn="ctr" rotWithShape="0">
                                 <a:srgbClr val="808080">
@@ -14637,15 +14637,15 @@
           </a:ln>
           <a:effectLst/>
           <a:extLst>
-            <a:ext uri="{909E8E84-426E-40DD-AFC4-6F175D3DCCD1}">
-              <a14:hiddenFill xmlns:a14="http://schemas.microsoft.com/office/drawing/2010/main">
+            <a:ext uri="{909E8E84-426E-40dd-AFC4-6F175D3DCCD1}">
+              <a14:hiddenFill xmlns:a14="http://schemas.microsoft.com/office/drawing/2010/main" xmlns="">
                 <a:solidFill>
                   <a:schemeClr val="accent1"/>
                 </a:solidFill>
               </a14:hiddenFill>
             </a:ext>
-            <a:ext uri="{91240B29-F687-4F45-9708-019B960494DF}">
-              <a14:hiddenLine xmlns:a14="http://schemas.microsoft.com/office/drawing/2010/main" w="9525">
+            <a:ext uri="{91240B29-F687-4f45-9708-019B960494DF}">
+              <a14:hiddenLine xmlns:a14="http://schemas.microsoft.com/office/drawing/2010/main" xmlns="" w="9525">
                 <a:solidFill>
                   <a:schemeClr val="tx1"/>
                 </a:solidFill>
@@ -14654,8 +14654,8 @@
                 <a:tailEnd/>
               </a14:hiddenLine>
             </a:ext>
-            <a:ext uri="{AF507438-7753-43E0-B8FC-AC1667EBCBE1}">
-              <a14:hiddenEffects xmlns:a14="http://schemas.microsoft.com/office/drawing/2010/main">
+            <a:ext uri="{AF507438-7753-43e0-B8FC-AC1667EBCBE1}">
+              <a14:hiddenEffects xmlns:a14="http://schemas.microsoft.com/office/drawing/2010/main" xmlns="">
                 <a:effectLst>
                   <a:outerShdw blurRad="63500" dist="38099" dir="2700000" algn="ctr" rotWithShape="0">
                     <a:schemeClr val="bg2">
@@ -14732,15 +14732,15 @@
           </a:ln>
           <a:effectLst/>
           <a:extLst>
-            <a:ext uri="{909E8E84-426E-40DD-AFC4-6F175D3DCCD1}">
-              <a14:hiddenFill xmlns:a14="http://schemas.microsoft.com/office/drawing/2010/main">
+            <a:ext uri="{909E8E84-426E-40dd-AFC4-6F175D3DCCD1}">
+              <a14:hiddenFill xmlns:a14="http://schemas.microsoft.com/office/drawing/2010/main" xmlns="">
                 <a:solidFill>
                   <a:schemeClr val="accent1"/>
                 </a:solidFill>
               </a14:hiddenFill>
             </a:ext>
-            <a:ext uri="{91240B29-F687-4F45-9708-019B960494DF}">
-              <a14:hiddenLine xmlns:a14="http://schemas.microsoft.com/office/drawing/2010/main" w="9525">
+            <a:ext uri="{91240B29-F687-4f45-9708-019B960494DF}">
+              <a14:hiddenLine xmlns:a14="http://schemas.microsoft.com/office/drawing/2010/main" xmlns="" w="9525">
                 <a:solidFill>
                   <a:schemeClr val="tx1"/>
                 </a:solidFill>
@@ -14749,8 +14749,8 @@
                 <a:tailEnd/>
               </a14:hiddenLine>
             </a:ext>
-            <a:ext uri="{AF507438-7753-43E0-B8FC-AC1667EBCBE1}">
-              <a14:hiddenEffects xmlns:a14="http://schemas.microsoft.com/office/drawing/2010/main">
+            <a:ext uri="{AF507438-7753-43e0-B8FC-AC1667EBCBE1}">
+              <a14:hiddenEffects xmlns:a14="http://schemas.microsoft.com/office/drawing/2010/main" xmlns="">
                 <a:effectLst>
                   <a:outerShdw blurRad="63500" dist="38099" dir="2700000" algn="ctr" rotWithShape="0">
                     <a:schemeClr val="bg2">
@@ -14907,15 +14907,15 @@
           </a:ln>
           <a:effectLst/>
           <a:extLst>
-            <a:ext uri="{909E8E84-426E-40DD-AFC4-6F175D3DCCD1}">
-              <a14:hiddenFill xmlns:a14="http://schemas.microsoft.com/office/drawing/2010/main">
+            <a:ext uri="{909E8E84-426E-40dd-AFC4-6F175D3DCCD1}">
+              <a14:hiddenFill xmlns:a14="http://schemas.microsoft.com/office/drawing/2010/main" xmlns="">
                 <a:solidFill>
                   <a:schemeClr val="accent1"/>
                 </a:solidFill>
               </a14:hiddenFill>
             </a:ext>
-            <a:ext uri="{AF507438-7753-43E0-B8FC-AC1667EBCBE1}">
-              <a14:hiddenEffects xmlns:a14="http://schemas.microsoft.com/office/drawing/2010/main">
+            <a:ext uri="{AF507438-7753-43e0-B8FC-AC1667EBCBE1}">
+              <a14:hiddenEffects xmlns:a14="http://schemas.microsoft.com/office/drawing/2010/main" xmlns="">
                 <a:effectLst>
                   <a:outerShdw blurRad="63500" dist="38099" dir="2700000" algn="ctr" rotWithShape="0">
                     <a:schemeClr val="bg2">
@@ -15013,15 +15013,15 @@
           </a:ln>
           <a:effectLst/>
           <a:extLst>
-            <a:ext uri="{909E8E84-426E-40DD-AFC4-6F175D3DCCD1}">
-              <a14:hiddenFill xmlns:a14="http://schemas.microsoft.com/office/drawing/2010/main">
+            <a:ext uri="{909E8E84-426E-40dd-AFC4-6F175D3DCCD1}">
+              <a14:hiddenFill xmlns:a14="http://schemas.microsoft.com/office/drawing/2010/main" xmlns="">
                 <a:solidFill>
                   <a:schemeClr val="accent1"/>
                 </a:solidFill>
               </a14:hiddenFill>
             </a:ext>
-            <a:ext uri="{AF507438-7753-43E0-B8FC-AC1667EBCBE1}">
-              <a14:hiddenEffects xmlns:a14="http://schemas.microsoft.com/office/drawing/2010/main">
+            <a:ext uri="{AF507438-7753-43e0-B8FC-AC1667EBCBE1}">
+              <a14:hiddenEffects xmlns:a14="http://schemas.microsoft.com/office/drawing/2010/main" xmlns="">
                 <a:effectLst>
                   <a:outerShdw blurRad="63500" dist="38099" dir="2700000" algn="ctr" rotWithShape="0">
                     <a:schemeClr val="bg2">
@@ -15065,7 +15065,7 @@
           <a:graphicData uri="http://schemas.openxmlformats.org/presentationml/2006/ole">
             <mc:AlternateContent xmlns:mc="http://schemas.openxmlformats.org/markup-compatibility/2006">
               <mc:Choice xmlns:v="urn:schemas-microsoft-com:vml" Requires="v">
-                <p:oleObj spid="_x0000_s13773" name="Equation" r:id="rId3" imgW="1625600" imgH="431800" progId="Equation.3">
+                <p:oleObj spid="_x0000_s13837" name="Equation" r:id="rId3" imgW="1625600" imgH="431800" progId="Equation.3">
                   <p:embed/>
                 </p:oleObj>
               </mc:Choice>
@@ -15107,15 +15107,15 @@
                       </a:ln>
                       <a:effectLst/>
                       <a:extLst>
-                        <a:ext uri="{909E8E84-426E-40DD-AFC4-6F175D3DCCD1}">
-                          <a14:hiddenFill xmlns:a14="http://schemas.microsoft.com/office/drawing/2010/main">
+                        <a:ext uri="{909E8E84-426E-40dd-AFC4-6F175D3DCCD1}">
+                          <a14:hiddenFill xmlns:a14="http://schemas.microsoft.com/office/drawing/2010/main" xmlns="">
                             <a:solidFill>
                               <a:srgbClr val="FFFFFF"/>
                             </a:solidFill>
                           </a14:hiddenFill>
                         </a:ext>
-                        <a:ext uri="{91240B29-F687-4F45-9708-019B960494DF}">
-                          <a14:hiddenLine xmlns:a14="http://schemas.microsoft.com/office/drawing/2010/main" w="9525">
+                        <a:ext uri="{91240B29-F687-4f45-9708-019B960494DF}">
+                          <a14:hiddenLine xmlns:a14="http://schemas.microsoft.com/office/drawing/2010/main" xmlns="" w="9525">
                             <a:solidFill>
                               <a:srgbClr val="000000"/>
                             </a:solidFill>
@@ -15124,8 +15124,8 @@
                             <a:tailEnd/>
                           </a14:hiddenLine>
                         </a:ext>
-                        <a:ext uri="{AF507438-7753-43E0-B8FC-AC1667EBCBE1}">
-                          <a14:hiddenEffects xmlns:a14="http://schemas.microsoft.com/office/drawing/2010/main">
+                        <a:ext uri="{AF507438-7753-43e0-B8FC-AC1667EBCBE1}">
+                          <a14:hiddenEffects xmlns:a14="http://schemas.microsoft.com/office/drawing/2010/main" xmlns="">
                             <a:effectLst>
                               <a:outerShdw dist="35921" dir="2700000" algn="ctr" rotWithShape="0">
                                 <a:srgbClr val="808080">
@@ -15171,13 +15171,13 @@
           </a:ln>
           <a:effectLst/>
           <a:extLst>
-            <a:ext uri="{909E8E84-426E-40DD-AFC4-6F175D3DCCD1}">
-              <a14:hiddenFill xmlns:a14="http://schemas.microsoft.com/office/drawing/2010/main">
+            <a:ext uri="{909E8E84-426E-40dd-AFC4-6F175D3DCCD1}">
+              <a14:hiddenFill xmlns:a14="http://schemas.microsoft.com/office/drawing/2010/main" xmlns="">
                 <a:noFill/>
               </a14:hiddenFill>
             </a:ext>
-            <a:ext uri="{AF507438-7753-43E0-B8FC-AC1667EBCBE1}">
-              <a14:hiddenEffects xmlns:a14="http://schemas.microsoft.com/office/drawing/2010/main">
+            <a:ext uri="{AF507438-7753-43e0-B8FC-AC1667EBCBE1}">
+              <a14:hiddenEffects xmlns:a14="http://schemas.microsoft.com/office/drawing/2010/main" xmlns="">
                 <a:effectLst>
                   <a:outerShdw blurRad="63500" dist="38099" dir="2700000" algn="ctr" rotWithShape="0">
                     <a:schemeClr val="bg2">
@@ -15230,13 +15230,13 @@
           </a:ln>
           <a:effectLst/>
           <a:extLst>
-            <a:ext uri="{909E8E84-426E-40DD-AFC4-6F175D3DCCD1}">
-              <a14:hiddenFill xmlns:a14="http://schemas.microsoft.com/office/drawing/2010/main">
+            <a:ext uri="{909E8E84-426E-40dd-AFC4-6F175D3DCCD1}">
+              <a14:hiddenFill xmlns:a14="http://schemas.microsoft.com/office/drawing/2010/main" xmlns="">
                 <a:noFill/>
               </a14:hiddenFill>
             </a:ext>
-            <a:ext uri="{AF507438-7753-43E0-B8FC-AC1667EBCBE1}">
-              <a14:hiddenEffects xmlns:a14="http://schemas.microsoft.com/office/drawing/2010/main">
+            <a:ext uri="{AF507438-7753-43e0-B8FC-AC1667EBCBE1}">
+              <a14:hiddenEffects xmlns:a14="http://schemas.microsoft.com/office/drawing/2010/main" xmlns="">
                 <a:effectLst>
                   <a:outerShdw blurRad="63500" dist="38099" dir="2700000" algn="ctr" rotWithShape="0">
                     <a:schemeClr val="bg2">
@@ -15285,7 +15285,7 @@
           <a:graphicData uri="http://schemas.openxmlformats.org/presentationml/2006/ole">
             <mc:AlternateContent xmlns:mc="http://schemas.openxmlformats.org/markup-compatibility/2006">
               <mc:Choice xmlns:v="urn:schemas-microsoft-com:vml" Requires="v">
-                <p:oleObj spid="_x0000_s13774" name="Chart" r:id="rId5" imgW="6048277" imgH="4019490" progId="MSGraph.Chart.8">
+                <p:oleObj spid="_x0000_s13838" name="Chart" r:id="rId5" imgW="6048277" imgH="4019490" progId="MSGraph.Chart.8">
                   <p:embed followColorScheme="full"/>
                 </p:oleObj>
               </mc:Choice>
@@ -15321,15 +15321,15 @@
                       </a:ln>
                       <a:effectLst/>
                       <a:extLst>
-                        <a:ext uri="{909E8E84-426E-40DD-AFC4-6F175D3DCCD1}">
-                          <a14:hiddenFill xmlns:a14="http://schemas.microsoft.com/office/drawing/2010/main">
+                        <a:ext uri="{909E8E84-426E-40dd-AFC4-6F175D3DCCD1}">
+                          <a14:hiddenFill xmlns:a14="http://schemas.microsoft.com/office/drawing/2010/main" xmlns="">
                             <a:solidFill>
                               <a:schemeClr val="accent1"/>
                             </a:solidFill>
                           </a14:hiddenFill>
                         </a:ext>
-                        <a:ext uri="{91240B29-F687-4F45-9708-019B960494DF}">
-                          <a14:hiddenLine xmlns:a14="http://schemas.microsoft.com/office/drawing/2010/main" w="9525">
+                        <a:ext uri="{91240B29-F687-4f45-9708-019B960494DF}">
+                          <a14:hiddenLine xmlns:a14="http://schemas.microsoft.com/office/drawing/2010/main" xmlns="" w="9525">
                             <a:solidFill>
                               <a:schemeClr val="tx1"/>
                             </a:solidFill>
@@ -15338,8 +15338,8 @@
                             <a:tailEnd/>
                           </a14:hiddenLine>
                         </a:ext>
-                        <a:ext uri="{AF507438-7753-43E0-B8FC-AC1667EBCBE1}">
-                          <a14:hiddenEffects xmlns:a14="http://schemas.microsoft.com/office/drawing/2010/main">
+                        <a:ext uri="{AF507438-7753-43e0-B8FC-AC1667EBCBE1}">
+                          <a14:hiddenEffects xmlns:a14="http://schemas.microsoft.com/office/drawing/2010/main" xmlns="">
                             <a:effectLst>
                               <a:outerShdw dist="35921" dir="2700000" algn="ctr" rotWithShape="0">
                                 <a:schemeClr val="bg2">
@@ -15380,7 +15380,7 @@
           <a:graphicData uri="http://schemas.openxmlformats.org/presentationml/2006/ole">
             <mc:AlternateContent xmlns:mc="http://schemas.openxmlformats.org/markup-compatibility/2006">
               <mc:Choice xmlns:v="urn:schemas-microsoft-com:vml" Requires="v">
-                <p:oleObj spid="_x0000_s13775" name="Chart" r:id="rId7" imgW="6048277" imgH="4019490" progId="MSGraph.Chart.8">
+                <p:oleObj spid="_x0000_s13839" name="Chart" r:id="rId7" imgW="6048277" imgH="4019490" progId="MSGraph.Chart.8">
                   <p:embed followColorScheme="full"/>
                 </p:oleObj>
               </mc:Choice>
@@ -15416,15 +15416,15 @@
                       </a:ln>
                       <a:effectLst/>
                       <a:extLst>
-                        <a:ext uri="{909E8E84-426E-40DD-AFC4-6F175D3DCCD1}">
-                          <a14:hiddenFill xmlns:a14="http://schemas.microsoft.com/office/drawing/2010/main">
+                        <a:ext uri="{909E8E84-426E-40dd-AFC4-6F175D3DCCD1}">
+                          <a14:hiddenFill xmlns:a14="http://schemas.microsoft.com/office/drawing/2010/main" xmlns="">
                             <a:solidFill>
                               <a:srgbClr val="FFFFFF"/>
                             </a:solidFill>
                           </a14:hiddenFill>
                         </a:ext>
-                        <a:ext uri="{91240B29-F687-4F45-9708-019B960494DF}">
-                          <a14:hiddenLine xmlns:a14="http://schemas.microsoft.com/office/drawing/2010/main" w="9525">
+                        <a:ext uri="{91240B29-F687-4f45-9708-019B960494DF}">
+                          <a14:hiddenLine xmlns:a14="http://schemas.microsoft.com/office/drawing/2010/main" xmlns="" w="9525">
                             <a:solidFill>
                               <a:srgbClr val="000000"/>
                             </a:solidFill>
@@ -15433,8 +15433,8 @@
                             <a:tailEnd/>
                           </a14:hiddenLine>
                         </a:ext>
-                        <a:ext uri="{AF507438-7753-43E0-B8FC-AC1667EBCBE1}">
-                          <a14:hiddenEffects xmlns:a14="http://schemas.microsoft.com/office/drawing/2010/main">
+                        <a:ext uri="{AF507438-7753-43e0-B8FC-AC1667EBCBE1}">
+                          <a14:hiddenEffects xmlns:a14="http://schemas.microsoft.com/office/drawing/2010/main" xmlns="">
                             <a:effectLst>
                               <a:outerShdw dist="35921" dir="2700000" algn="ctr" rotWithShape="0">
                                 <a:srgbClr val="808080">
@@ -15646,7 +15646,7 @@
           <a:graphicData uri="http://schemas.openxmlformats.org/presentationml/2006/ole">
             <mc:AlternateContent xmlns:mc="http://schemas.openxmlformats.org/markup-compatibility/2006">
               <mc:Choice xmlns:v="urn:schemas-microsoft-com:vml" Requires="v">
-                <p:oleObj spid="_x0000_s14644" name="Equation" r:id="rId3" imgW="2057400" imgH="457200" progId="Equation.3">
+                <p:oleObj spid="_x0000_s14687" name="Equation" r:id="rId3" imgW="2057400" imgH="457200" progId="Equation.3">
                   <p:embed/>
                 </p:oleObj>
               </mc:Choice>
@@ -15688,15 +15688,15 @@
                       </a:ln>
                       <a:effectLst/>
                       <a:extLst>
-                        <a:ext uri="{909E8E84-426E-40DD-AFC4-6F175D3DCCD1}">
-                          <a14:hiddenFill xmlns:a14="http://schemas.microsoft.com/office/drawing/2010/main">
+                        <a:ext uri="{909E8E84-426E-40dd-AFC4-6F175D3DCCD1}">
+                          <a14:hiddenFill xmlns:a14="http://schemas.microsoft.com/office/drawing/2010/main" xmlns="">
                             <a:solidFill>
                               <a:srgbClr val="FFFFFF"/>
                             </a:solidFill>
                           </a14:hiddenFill>
                         </a:ext>
-                        <a:ext uri="{91240B29-F687-4F45-9708-019B960494DF}">
-                          <a14:hiddenLine xmlns:a14="http://schemas.microsoft.com/office/drawing/2010/main" w="9525">
+                        <a:ext uri="{91240B29-F687-4f45-9708-019B960494DF}">
+                          <a14:hiddenLine xmlns:a14="http://schemas.microsoft.com/office/drawing/2010/main" xmlns="" w="9525">
                             <a:solidFill>
                               <a:srgbClr val="000000"/>
                             </a:solidFill>
@@ -15705,8 +15705,8 @@
                             <a:tailEnd/>
                           </a14:hiddenLine>
                         </a:ext>
-                        <a:ext uri="{AF507438-7753-43E0-B8FC-AC1667EBCBE1}">
-                          <a14:hiddenEffects xmlns:a14="http://schemas.microsoft.com/office/drawing/2010/main">
+                        <a:ext uri="{AF507438-7753-43e0-B8FC-AC1667EBCBE1}">
+                          <a14:hiddenEffects xmlns:a14="http://schemas.microsoft.com/office/drawing/2010/main" xmlns="">
                             <a:effectLst>
                               <a:outerShdw dist="35921" dir="2700000" algn="ctr" rotWithShape="0">
                                 <a:srgbClr val="808080">
@@ -15741,7 +15741,7 @@
           <a:graphicData uri="http://schemas.openxmlformats.org/presentationml/2006/ole">
             <mc:AlternateContent xmlns:mc="http://schemas.openxmlformats.org/markup-compatibility/2006">
               <mc:Choice xmlns:v="urn:schemas-microsoft-com:vml" Requires="v">
-                <p:oleObj spid="_x0000_s14645" name="Equation" r:id="rId5" imgW="1651000" imgH="457200" progId="Equation.3">
+                <p:oleObj spid="_x0000_s14688" name="Equation" r:id="rId5" imgW="1651000" imgH="457200" progId="Equation.3">
                   <p:embed/>
                 </p:oleObj>
               </mc:Choice>
@@ -15783,15 +15783,15 @@
                       </a:ln>
                       <a:effectLst/>
                       <a:extLst>
-                        <a:ext uri="{909E8E84-426E-40DD-AFC4-6F175D3DCCD1}">
-                          <a14:hiddenFill xmlns:a14="http://schemas.microsoft.com/office/drawing/2010/main">
+                        <a:ext uri="{909E8E84-426E-40dd-AFC4-6F175D3DCCD1}">
+                          <a14:hiddenFill xmlns:a14="http://schemas.microsoft.com/office/drawing/2010/main" xmlns="">
                             <a:solidFill>
                               <a:srgbClr val="FFFFFF"/>
                             </a:solidFill>
                           </a14:hiddenFill>
                         </a:ext>
-                        <a:ext uri="{91240B29-F687-4F45-9708-019B960494DF}">
-                          <a14:hiddenLine xmlns:a14="http://schemas.microsoft.com/office/drawing/2010/main" w="9525">
+                        <a:ext uri="{91240B29-F687-4f45-9708-019B960494DF}">
+                          <a14:hiddenLine xmlns:a14="http://schemas.microsoft.com/office/drawing/2010/main" xmlns="" w="9525">
                             <a:solidFill>
                               <a:srgbClr val="000000"/>
                             </a:solidFill>
@@ -15800,8 +15800,8 @@
                             <a:tailEnd/>
                           </a14:hiddenLine>
                         </a:ext>
-                        <a:ext uri="{AF507438-7753-43E0-B8FC-AC1667EBCBE1}">
-                          <a14:hiddenEffects xmlns:a14="http://schemas.microsoft.com/office/drawing/2010/main">
+                        <a:ext uri="{AF507438-7753-43e0-B8FC-AC1667EBCBE1}">
+                          <a14:hiddenEffects xmlns:a14="http://schemas.microsoft.com/office/drawing/2010/main" xmlns="">
                             <a:effectLst>
                               <a:outerShdw dist="35921" dir="2700000" algn="ctr" rotWithShape="0">
                                 <a:srgbClr val="808080">
@@ -15950,7 +15950,7 @@
           <a:graphicData uri="http://schemas.openxmlformats.org/presentationml/2006/ole">
             <mc:AlternateContent xmlns:mc="http://schemas.openxmlformats.org/markup-compatibility/2006">
               <mc:Choice xmlns:v="urn:schemas-microsoft-com:vml" Requires="v">
-                <p:oleObj spid="_x0000_s15821" name="Chart" r:id="rId3" imgW="6000733" imgH="3971970" progId="MSGraph.Chart.8">
+                <p:oleObj spid="_x0000_s15885" name="Chart" r:id="rId3" imgW="6000733" imgH="3971970" progId="MSGraph.Chart.8">
                   <p:embed followColorScheme="full"/>
                 </p:oleObj>
               </mc:Choice>
@@ -15986,15 +15986,15 @@
                       </a:ln>
                       <a:effectLst/>
                       <a:extLst>
-                        <a:ext uri="{909E8E84-426E-40DD-AFC4-6F175D3DCCD1}">
-                          <a14:hiddenFill xmlns:a14="http://schemas.microsoft.com/office/drawing/2010/main">
+                        <a:ext uri="{909E8E84-426E-40dd-AFC4-6F175D3DCCD1}">
+                          <a14:hiddenFill xmlns:a14="http://schemas.microsoft.com/office/drawing/2010/main" xmlns="">
                             <a:solidFill>
                               <a:srgbClr val="FFFFFF"/>
                             </a:solidFill>
                           </a14:hiddenFill>
                         </a:ext>
-                        <a:ext uri="{91240B29-F687-4F45-9708-019B960494DF}">
-                          <a14:hiddenLine xmlns:a14="http://schemas.microsoft.com/office/drawing/2010/main" w="9525">
+                        <a:ext uri="{91240B29-F687-4f45-9708-019B960494DF}">
+                          <a14:hiddenLine xmlns:a14="http://schemas.microsoft.com/office/drawing/2010/main" xmlns="" w="9525">
                             <a:solidFill>
                               <a:srgbClr val="000000"/>
                             </a:solidFill>
@@ -16003,8 +16003,8 @@
                             <a:tailEnd/>
                           </a14:hiddenLine>
                         </a:ext>
-                        <a:ext uri="{AF507438-7753-43E0-B8FC-AC1667EBCBE1}">
-                          <a14:hiddenEffects xmlns:a14="http://schemas.microsoft.com/office/drawing/2010/main">
+                        <a:ext uri="{AF507438-7753-43e0-B8FC-AC1667EBCBE1}">
+                          <a14:hiddenEffects xmlns:a14="http://schemas.microsoft.com/office/drawing/2010/main" xmlns="">
                             <a:effectLst>
                               <a:outerShdw dist="35921" dir="2700000" algn="ctr" rotWithShape="0">
                                 <a:srgbClr val="808080">
@@ -16047,8 +16047,8 @@
           </a:ln>
           <a:effectLst/>
           <a:extLst>
-            <a:ext uri="{91240B29-F687-4F45-9708-019B960494DF}">
-              <a14:hiddenLine xmlns:a14="http://schemas.microsoft.com/office/drawing/2010/main" w="9525">
+            <a:ext uri="{91240B29-F687-4f45-9708-019B960494DF}">
+              <a14:hiddenLine xmlns:a14="http://schemas.microsoft.com/office/drawing/2010/main" xmlns="" w="9525">
                 <a:solidFill>
                   <a:schemeClr val="tx1"/>
                 </a:solidFill>
@@ -16057,8 +16057,8 @@
                 <a:tailEnd/>
               </a14:hiddenLine>
             </a:ext>
-            <a:ext uri="{AF507438-7753-43E0-B8FC-AC1667EBCBE1}">
-              <a14:hiddenEffects xmlns:a14="http://schemas.microsoft.com/office/drawing/2010/main">
+            <a:ext uri="{AF507438-7753-43e0-B8FC-AC1667EBCBE1}">
+              <a14:hiddenEffects xmlns:a14="http://schemas.microsoft.com/office/drawing/2010/main" xmlns="">
                 <a:effectLst>
                   <a:outerShdw blurRad="63500" dist="38099" dir="2700000" algn="ctr" rotWithShape="0">
                     <a:schemeClr val="bg2">
@@ -16159,15 +16159,15 @@
           </a:ln>
           <a:effectLst/>
           <a:extLst>
-            <a:ext uri="{909E8E84-426E-40DD-AFC4-6F175D3DCCD1}">
-              <a14:hiddenFill xmlns:a14="http://schemas.microsoft.com/office/drawing/2010/main">
+            <a:ext uri="{909E8E84-426E-40dd-AFC4-6F175D3DCCD1}">
+              <a14:hiddenFill xmlns:a14="http://schemas.microsoft.com/office/drawing/2010/main" xmlns="">
                 <a:solidFill>
                   <a:schemeClr val="accent1"/>
                 </a:solidFill>
               </a14:hiddenFill>
             </a:ext>
-            <a:ext uri="{91240B29-F687-4F45-9708-019B960494DF}">
-              <a14:hiddenLine xmlns:a14="http://schemas.microsoft.com/office/drawing/2010/main" w="9525">
+            <a:ext uri="{91240B29-F687-4f45-9708-019B960494DF}">
+              <a14:hiddenLine xmlns:a14="http://schemas.microsoft.com/office/drawing/2010/main" xmlns="" w="9525">
                 <a:solidFill>
                   <a:schemeClr val="tx1"/>
                 </a:solidFill>
@@ -16176,8 +16176,8 @@
                 <a:tailEnd/>
               </a14:hiddenLine>
             </a:ext>
-            <a:ext uri="{AF507438-7753-43E0-B8FC-AC1667EBCBE1}">
-              <a14:hiddenEffects xmlns:a14="http://schemas.microsoft.com/office/drawing/2010/main">
+            <a:ext uri="{AF507438-7753-43e0-B8FC-AC1667EBCBE1}">
+              <a14:hiddenEffects xmlns:a14="http://schemas.microsoft.com/office/drawing/2010/main" xmlns="">
                 <a:effectLst>
                   <a:outerShdw blurRad="63500" dist="38099" dir="2700000" algn="ctr" rotWithShape="0">
                     <a:schemeClr val="bg2">
@@ -16334,15 +16334,15 @@
           </a:ln>
           <a:effectLst/>
           <a:extLst>
-            <a:ext uri="{909E8E84-426E-40DD-AFC4-6F175D3DCCD1}">
-              <a14:hiddenFill xmlns:a14="http://schemas.microsoft.com/office/drawing/2010/main">
+            <a:ext uri="{909E8E84-426E-40dd-AFC4-6F175D3DCCD1}">
+              <a14:hiddenFill xmlns:a14="http://schemas.microsoft.com/office/drawing/2010/main" xmlns="">
                 <a:solidFill>
                   <a:schemeClr val="accent1"/>
                 </a:solidFill>
               </a14:hiddenFill>
             </a:ext>
-            <a:ext uri="{AF507438-7753-43E0-B8FC-AC1667EBCBE1}">
-              <a14:hiddenEffects xmlns:a14="http://schemas.microsoft.com/office/drawing/2010/main">
+            <a:ext uri="{AF507438-7753-43e0-B8FC-AC1667EBCBE1}">
+              <a14:hiddenEffects xmlns:a14="http://schemas.microsoft.com/office/drawing/2010/main" xmlns="">
                 <a:effectLst>
                   <a:outerShdw blurRad="63500" dist="38099" dir="2700000" algn="ctr" rotWithShape="0">
                     <a:schemeClr val="bg2">
@@ -16426,7 +16426,7 @@
           <a:graphicData uri="http://schemas.openxmlformats.org/presentationml/2006/ole">
             <mc:AlternateContent xmlns:mc="http://schemas.openxmlformats.org/markup-compatibility/2006">
               <mc:Choice xmlns:v="urn:schemas-microsoft-com:vml" Requires="v">
-                <p:oleObj spid="_x0000_s15822" name="Equation" r:id="rId5" imgW="1612900" imgH="914400" progId="Equation.3">
+                <p:oleObj spid="_x0000_s15886" name="Equation" r:id="rId5" imgW="1612900" imgH="914400" progId="Equation.3">
                   <p:embed/>
                 </p:oleObj>
               </mc:Choice>
@@ -16468,15 +16468,15 @@
                       </a:ln>
                       <a:effectLst/>
                       <a:extLst>
-                        <a:ext uri="{909E8E84-426E-40DD-AFC4-6F175D3DCCD1}">
-                          <a14:hiddenFill xmlns:a14="http://schemas.microsoft.com/office/drawing/2010/main">
+                        <a:ext uri="{909E8E84-426E-40dd-AFC4-6F175D3DCCD1}">
+                          <a14:hiddenFill xmlns:a14="http://schemas.microsoft.com/office/drawing/2010/main" xmlns="">
                             <a:solidFill>
                               <a:srgbClr val="FFFFFF"/>
                             </a:solidFill>
                           </a14:hiddenFill>
                         </a:ext>
-                        <a:ext uri="{91240B29-F687-4F45-9708-019B960494DF}">
-                          <a14:hiddenLine xmlns:a14="http://schemas.microsoft.com/office/drawing/2010/main" w="9525">
+                        <a:ext uri="{91240B29-F687-4f45-9708-019B960494DF}">
+                          <a14:hiddenLine xmlns:a14="http://schemas.microsoft.com/office/drawing/2010/main" xmlns="" w="9525">
                             <a:solidFill>
                               <a:srgbClr val="000000"/>
                             </a:solidFill>
@@ -16485,8 +16485,8 @@
                             <a:tailEnd/>
                           </a14:hiddenLine>
                         </a:ext>
-                        <a:ext uri="{AF507438-7753-43E0-B8FC-AC1667EBCBE1}">
-                          <a14:hiddenEffects xmlns:a14="http://schemas.microsoft.com/office/drawing/2010/main">
+                        <a:ext uri="{AF507438-7753-43e0-B8FC-AC1667EBCBE1}">
+                          <a14:hiddenEffects xmlns:a14="http://schemas.microsoft.com/office/drawing/2010/main" xmlns="">
                             <a:effectLst>
                               <a:outerShdw dist="35921" dir="2700000" algn="ctr" rotWithShape="0">
                                 <a:srgbClr val="808080">
@@ -16532,15 +16532,15 @@
           </a:ln>
           <a:effectLst/>
           <a:extLst>
-            <a:ext uri="{909E8E84-426E-40DD-AFC4-6F175D3DCCD1}">
-              <a14:hiddenFill xmlns:a14="http://schemas.microsoft.com/office/drawing/2010/main">
+            <a:ext uri="{909E8E84-426E-40dd-AFC4-6F175D3DCCD1}">
+              <a14:hiddenFill xmlns:a14="http://schemas.microsoft.com/office/drawing/2010/main" xmlns="">
                 <a:solidFill>
                   <a:schemeClr val="accent1"/>
                 </a:solidFill>
               </a14:hiddenFill>
             </a:ext>
-            <a:ext uri="{AF507438-7753-43E0-B8FC-AC1667EBCBE1}">
-              <a14:hiddenEffects xmlns:a14="http://schemas.microsoft.com/office/drawing/2010/main">
+            <a:ext uri="{AF507438-7753-43e0-B8FC-AC1667EBCBE1}">
+              <a14:hiddenEffects xmlns:a14="http://schemas.microsoft.com/office/drawing/2010/main" xmlns="">
                 <a:effectLst>
                   <a:outerShdw blurRad="63500" dist="38099" dir="2700000" algn="ctr" rotWithShape="0">
                     <a:schemeClr val="bg2">
@@ -16589,13 +16589,13 @@
           </a:ln>
           <a:effectLst/>
           <a:extLst>
-            <a:ext uri="{909E8E84-426E-40DD-AFC4-6F175D3DCCD1}">
-              <a14:hiddenFill xmlns:a14="http://schemas.microsoft.com/office/drawing/2010/main">
+            <a:ext uri="{909E8E84-426E-40dd-AFC4-6F175D3DCCD1}">
+              <a14:hiddenFill xmlns:a14="http://schemas.microsoft.com/office/drawing/2010/main" xmlns="">
                 <a:noFill/>
               </a14:hiddenFill>
             </a:ext>
-            <a:ext uri="{AF507438-7753-43E0-B8FC-AC1667EBCBE1}">
-              <a14:hiddenEffects xmlns:a14="http://schemas.microsoft.com/office/drawing/2010/main">
+            <a:ext uri="{AF507438-7753-43e0-B8FC-AC1667EBCBE1}">
+              <a14:hiddenEffects xmlns:a14="http://schemas.microsoft.com/office/drawing/2010/main" xmlns="">
                 <a:effectLst>
                   <a:outerShdw blurRad="63500" dist="38099" dir="2700000" algn="ctr" rotWithShape="0">
                     <a:schemeClr val="bg2">
@@ -16648,13 +16648,13 @@
           </a:ln>
           <a:effectLst/>
           <a:extLst>
-            <a:ext uri="{909E8E84-426E-40DD-AFC4-6F175D3DCCD1}">
-              <a14:hiddenFill xmlns:a14="http://schemas.microsoft.com/office/drawing/2010/main">
+            <a:ext uri="{909E8E84-426E-40dd-AFC4-6F175D3DCCD1}">
+              <a14:hiddenFill xmlns:a14="http://schemas.microsoft.com/office/drawing/2010/main" xmlns="">
                 <a:noFill/>
               </a14:hiddenFill>
             </a:ext>
-            <a:ext uri="{AF507438-7753-43E0-B8FC-AC1667EBCBE1}">
-              <a14:hiddenEffects xmlns:a14="http://schemas.microsoft.com/office/drawing/2010/main">
+            <a:ext uri="{AF507438-7753-43e0-B8FC-AC1667EBCBE1}">
+              <a14:hiddenEffects xmlns:a14="http://schemas.microsoft.com/office/drawing/2010/main" xmlns="">
                 <a:effectLst>
                   <a:outerShdw blurRad="63500" dist="38099" dir="2700000" algn="ctr" rotWithShape="0">
                     <a:schemeClr val="bg2">
@@ -16702,7 +16702,7 @@
           <a:graphicData uri="http://schemas.openxmlformats.org/presentationml/2006/ole">
             <mc:AlternateContent xmlns:mc="http://schemas.openxmlformats.org/markup-compatibility/2006">
               <mc:Choice xmlns:v="urn:schemas-microsoft-com:vml" Requires="v">
-                <p:oleObj spid="_x0000_s15823" name="Chart" r:id="rId7" imgW="6048277" imgH="4019490" progId="MSGraph.Chart.8">
+                <p:oleObj spid="_x0000_s15887" name="Chart" r:id="rId7" imgW="6048277" imgH="4019490" progId="MSGraph.Chart.8">
                   <p:embed followColorScheme="full"/>
                 </p:oleObj>
               </mc:Choice>
@@ -16738,15 +16738,15 @@
                       </a:ln>
                       <a:effectLst/>
                       <a:extLst>
-                        <a:ext uri="{909E8E84-426E-40DD-AFC4-6F175D3DCCD1}">
-                          <a14:hiddenFill xmlns:a14="http://schemas.microsoft.com/office/drawing/2010/main">
+                        <a:ext uri="{909E8E84-426E-40dd-AFC4-6F175D3DCCD1}">
+                          <a14:hiddenFill xmlns:a14="http://schemas.microsoft.com/office/drawing/2010/main" xmlns="">
                             <a:solidFill>
                               <a:srgbClr val="FFFFFF"/>
                             </a:solidFill>
                           </a14:hiddenFill>
                         </a:ext>
-                        <a:ext uri="{91240B29-F687-4F45-9708-019B960494DF}">
-                          <a14:hiddenLine xmlns:a14="http://schemas.microsoft.com/office/drawing/2010/main" w="9525">
+                        <a:ext uri="{91240B29-F687-4f45-9708-019B960494DF}">
+                          <a14:hiddenLine xmlns:a14="http://schemas.microsoft.com/office/drawing/2010/main" xmlns="" w="9525">
                             <a:solidFill>
                               <a:srgbClr val="000000"/>
                             </a:solidFill>
@@ -16755,8 +16755,8 @@
                             <a:tailEnd/>
                           </a14:hiddenLine>
                         </a:ext>
-                        <a:ext uri="{AF507438-7753-43E0-B8FC-AC1667EBCBE1}">
-                          <a14:hiddenEffects xmlns:a14="http://schemas.microsoft.com/office/drawing/2010/main">
+                        <a:ext uri="{AF507438-7753-43e0-B8FC-AC1667EBCBE1}">
+                          <a14:hiddenEffects xmlns:a14="http://schemas.microsoft.com/office/drawing/2010/main" xmlns="">
                             <a:effectLst>
                               <a:outerShdw dist="35921" dir="2700000" algn="ctr" rotWithShape="0">
                                 <a:srgbClr val="808080">
@@ -17837,945 +17837,330 @@
           </a:p>
         </p:txBody>
       </p:sp>
-      <mc:AlternateContent xmlns:mc="http://schemas.openxmlformats.org/markup-compatibility/2006" xmlns:a14="http://schemas.microsoft.com/office/drawing/2010/main">
-        <mc:Choice Requires="a14">
-          <p:graphicFrame>
-            <p:nvGraphicFramePr>
-              <p:cNvPr id="7" name="Table 6"/>
-              <p:cNvGraphicFramePr>
-                <a:graphicFrameLocks noGrp="1"/>
-              </p:cNvGraphicFramePr>
-              <p:nvPr>
-                <p:extLst>
-                  <p:ext uri="{D42A27DB-BD31-4B8C-83A1-F6EECF244321}">
-                    <p14:modId xmlns:p14="http://schemas.microsoft.com/office/powerpoint/2010/main" val="1389831081"/>
-                  </p:ext>
-                </p:extLst>
-              </p:nvPr>
-            </p:nvGraphicFramePr>
-            <p:xfrm>
-              <a:off x="5562600" y="1932966"/>
-              <a:ext cx="1676400" cy="5044252"/>
-            </p:xfrm>
-            <a:graphic>
-              <a:graphicData uri="http://schemas.openxmlformats.org/drawingml/2006/table">
-                <a:tbl>
-                  <a:tblPr firstRow="1" firstCol="1" bandRow="1">
-                    <a:tableStyleId>{5C22544A-7EE6-4342-B048-85BDC9FD1C3A}</a:tableStyleId>
-                  </a:tblPr>
-                  <a:tblGrid>
-                    <a:gridCol w="1676400">
-                      <a:extLst>
-                        <a:ext uri="{9D8B030D-6E8A-4147-A177-3AD203B41FA5}">
-                          <a16:colId xmlns:a16="http://schemas.microsoft.com/office/drawing/2014/main" val="20000"/>
-                        </a:ext>
-                      </a:extLst>
-                    </a:gridCol>
-                  </a:tblGrid>
-                  <a:tr h="298455">
-                    <a:tc>
-                      <a:txBody>
-                        <a:bodyPr/>
-                        <a:lstStyle/>
-                        <a:p>
-                          <a:pPr marL="0" marR="0" lvl="0" indent="0" algn="ctr">
-                            <a:lnSpc>
-                              <a:spcPct val="115000"/>
-                            </a:lnSpc>
-                            <a:spcBef>
-                              <a:spcPts val="0"/>
-                            </a:spcBef>
-                            <a:spcAft>
-                              <a:spcPts val="0"/>
-                            </a:spcAft>
-                            <a:buFont typeface="+mj-lt"/>
-                            <a:buNone/>
-                          </a:pPr>
-                          <a:r>
-                            <a:rPr lang="en-US" sz="1800" dirty="0">
-                              <a:effectLst/>
-                              <a:latin typeface="Palatino Linotype" pitchFamily="18" charset="0"/>
-                            </a:rPr>
-                            <a:t>N</a:t>
-                          </a:r>
-                          <a:endParaRPr lang="en-US" sz="2400" dirty="0">
-                            <a:effectLst/>
-                            <a:latin typeface="Palatino Linotype" pitchFamily="18" charset="0"/>
-                            <a:ea typeface="Calibri"/>
-                            <a:cs typeface="Times New Roman"/>
-                          </a:endParaRPr>
-                        </a:p>
-                      </a:txBody>
-                      <a:tcPr marL="68580" marR="68580" marT="0" marB="0"/>
-                    </a:tc>
-                    <a:extLst>
-                      <a:ext uri="{0D108BD9-81ED-4DB2-BD59-A6C34878D82A}">
-                        <a16:rowId xmlns:a16="http://schemas.microsoft.com/office/drawing/2014/main" val="10000"/>
-                      </a:ext>
-                    </a:extLst>
-                  </a:tr>
-                  <a:tr h="562186">
-                    <a:tc>
-                      <a:txBody>
-                        <a:bodyPr/>
-                        <a:lstStyle/>
-                        <a:p>
-                          <a:pPr marL="0" marR="0" lvl="0" indent="0" algn="ctr">
-                            <a:lnSpc>
-                              <a:spcPct val="115000"/>
-                            </a:lnSpc>
-                            <a:spcBef>
-                              <a:spcPts val="0"/>
-                            </a:spcBef>
-                            <a:spcAft>
-                              <a:spcPts val="0"/>
-                            </a:spcAft>
-                            <a:buFont typeface="+mj-lt"/>
-                            <a:buNone/>
-                          </a:pPr>
-                          <a14:m>
-                            <m:oMathPara xmlns:m="http://schemas.openxmlformats.org/officeDocument/2006/math">
-                              <m:oMathParaPr>
-                                <m:jc m:val="centerGroup"/>
-                              </m:oMathParaPr>
-                              <m:oMath xmlns:m="http://schemas.openxmlformats.org/officeDocument/2006/math">
-                                <m:nary>
-                                  <m:naryPr>
-                                    <m:chr m:val="∑"/>
-                                    <m:limLoc m:val="undOvr"/>
-                                    <m:subHide m:val="on"/>
-                                    <m:supHide m:val="on"/>
-                                    <m:ctrlPr>
-                                      <a:rPr lang="en-US" sz="1400" i="1">
-                                        <a:effectLst/>
-                                        <a:latin typeface="Cambria Math" panose="02040503050406030204" pitchFamily="18" charset="0"/>
-                                      </a:rPr>
-                                    </m:ctrlPr>
-                                  </m:naryPr>
-                                  <m:sub/>
-                                  <m:sup/>
-                                  <m:e>
-                                    <m:r>
-                                      <m:rPr>
-                                        <m:sty m:val="p"/>
-                                      </m:rPr>
-                                      <a:rPr lang="en-US" sz="1400">
-                                        <a:effectLst/>
-                                        <a:latin typeface="Cambria Math"/>
-                                      </a:rPr>
-                                      <m:t>Y</m:t>
-                                    </m:r>
-                                  </m:e>
-                                </m:nary>
-                              </m:oMath>
-                            </m:oMathPara>
-                          </a14:m>
-                          <a:endParaRPr lang="en-US" sz="1800" dirty="0">
-                            <a:effectLst/>
-                            <a:latin typeface="Palatino Linotype" pitchFamily="18" charset="0"/>
-                            <a:ea typeface="Calibri"/>
-                            <a:cs typeface="Times New Roman"/>
-                          </a:endParaRPr>
-                        </a:p>
-                      </a:txBody>
-                      <a:tcPr marL="68580" marR="68580" marT="0" marB="0"/>
-                    </a:tc>
-                    <a:extLst>
-                      <a:ext uri="{0D108BD9-81ED-4DB2-BD59-A6C34878D82A}">
-                        <a16:rowId xmlns:a16="http://schemas.microsoft.com/office/drawing/2014/main" val="10001"/>
-                      </a:ext>
-                    </a:extLst>
-                  </a:tr>
-                  <a:tr h="722708">
-                    <a:tc>
-                      <a:txBody>
-                        <a:bodyPr/>
-                        <a:lstStyle/>
-                        <a:p>
-                          <a:pPr marL="0" marR="0" lvl="0" indent="0" algn="ctr">
-                            <a:lnSpc>
-                              <a:spcPct val="115000"/>
-                            </a:lnSpc>
-                            <a:spcBef>
-                              <a:spcPts val="0"/>
-                            </a:spcBef>
-                            <a:spcAft>
-                              <a:spcPts val="0"/>
-                            </a:spcAft>
-                            <a:buFont typeface="+mj-lt"/>
-                            <a:buNone/>
-                          </a:pPr>
-                          <a14:m>
-                            <m:oMathPara xmlns:m="http://schemas.openxmlformats.org/officeDocument/2006/math">
-                              <m:oMathParaPr>
-                                <m:jc m:val="centerGroup"/>
-                              </m:oMathParaPr>
-                              <m:oMath xmlns:m="http://schemas.openxmlformats.org/officeDocument/2006/math">
-                                <m:nary>
-                                  <m:naryPr>
-                                    <m:chr m:val="∑"/>
-                                    <m:limLoc m:val="undOvr"/>
-                                    <m:subHide m:val="on"/>
-                                    <m:supHide m:val="on"/>
-                                    <m:ctrlPr>
-                                      <a:rPr lang="en-US" sz="1800" i="1">
-                                        <a:effectLst/>
-                                        <a:latin typeface="Cambria Math" panose="02040503050406030204" pitchFamily="18" charset="0"/>
-                                      </a:rPr>
-                                    </m:ctrlPr>
-                                  </m:naryPr>
-                                  <m:sub/>
-                                  <m:sup/>
-                                  <m:e>
-                                    <m:sSup>
-                                      <m:sSupPr>
-                                        <m:ctrlPr>
-                                          <a:rPr lang="en-US" sz="1800" i="1">
-                                            <a:effectLst/>
-                                            <a:latin typeface="Cambria Math" panose="02040503050406030204" pitchFamily="18" charset="0"/>
-                                          </a:rPr>
-                                        </m:ctrlPr>
-                                      </m:sSupPr>
-                                      <m:e>
-                                        <m:r>
-                                          <m:rPr>
-                                            <m:sty m:val="p"/>
-                                          </m:rPr>
-                                          <a:rPr lang="en-US" sz="1800">
-                                            <a:effectLst/>
-                                            <a:latin typeface="Cambria Math"/>
-                                          </a:rPr>
-                                          <m:t>Y</m:t>
-                                        </m:r>
-                                      </m:e>
-                                      <m:sup>
-                                        <m:r>
-                                          <a:rPr lang="en-US" sz="1800">
-                                            <a:effectLst/>
-                                            <a:latin typeface="Cambria Math"/>
-                                          </a:rPr>
-                                          <m:t>2</m:t>
-                                        </m:r>
-                                      </m:sup>
-                                    </m:sSup>
-                                  </m:e>
-                                </m:nary>
-                              </m:oMath>
-                            </m:oMathPara>
-                          </a14:m>
-                          <a:endParaRPr lang="en-US" sz="2400" dirty="0">
-                            <a:effectLst/>
-                            <a:latin typeface="Palatino Linotype" pitchFamily="18" charset="0"/>
-                            <a:ea typeface="Calibri"/>
-                            <a:cs typeface="Times New Roman"/>
-                          </a:endParaRPr>
-                        </a:p>
-                      </a:txBody>
-                      <a:tcPr marL="68580" marR="68580" marT="0" marB="0"/>
-                    </a:tc>
-                    <a:extLst>
-                      <a:ext uri="{0D108BD9-81ED-4DB2-BD59-A6C34878D82A}">
-                        <a16:rowId xmlns:a16="http://schemas.microsoft.com/office/drawing/2014/main" val="10002"/>
-                      </a:ext>
-                    </a:extLst>
-                  </a:tr>
-                  <a:tr h="722708">
-                    <a:tc>
-                      <a:txBody>
-                        <a:bodyPr/>
-                        <a:lstStyle/>
-                        <a:p>
-                          <a:pPr marL="0" marR="0" lvl="0" indent="0" algn="ctr">
-                            <a:lnSpc>
-                              <a:spcPct val="115000"/>
-                            </a:lnSpc>
-                            <a:spcBef>
-                              <a:spcPts val="0"/>
-                            </a:spcBef>
-                            <a:spcAft>
-                              <a:spcPts val="0"/>
-                            </a:spcAft>
-                            <a:buFont typeface="+mj-lt"/>
-                            <a:buNone/>
-                          </a:pPr>
-                          <a14:m>
-                            <m:oMathPara xmlns:m="http://schemas.openxmlformats.org/officeDocument/2006/math">
-                              <m:oMathParaPr>
-                                <m:jc m:val="centerGroup"/>
-                              </m:oMathParaPr>
-                              <m:oMath xmlns:m="http://schemas.openxmlformats.org/officeDocument/2006/math">
-                                <m:sSup>
-                                  <m:sSupPr>
-                                    <m:ctrlPr>
-                                      <a:rPr lang="en-US" sz="1800" i="1">
-                                        <a:effectLst/>
-                                        <a:latin typeface="Cambria Math" panose="02040503050406030204" pitchFamily="18" charset="0"/>
-                                      </a:rPr>
-                                    </m:ctrlPr>
-                                  </m:sSupPr>
-                                  <m:e>
-                                    <m:r>
-                                      <a:rPr lang="en-US" sz="1800">
-                                        <a:effectLst/>
-                                        <a:latin typeface="Cambria Math"/>
-                                      </a:rPr>
-                                      <m:t>(</m:t>
-                                    </m:r>
-                                    <m:nary>
-                                      <m:naryPr>
-                                        <m:chr m:val="∑"/>
-                                        <m:limLoc m:val="undOvr"/>
-                                        <m:subHide m:val="on"/>
-                                        <m:supHide m:val="on"/>
-                                        <m:ctrlPr>
-                                          <a:rPr lang="en-US" sz="1800" i="1">
-                                            <a:effectLst/>
-                                            <a:latin typeface="Cambria Math" panose="02040503050406030204" pitchFamily="18" charset="0"/>
-                                          </a:rPr>
-                                        </m:ctrlPr>
-                                      </m:naryPr>
-                                      <m:sub/>
-                                      <m:sup/>
-                                      <m:e>
-                                        <m:r>
-                                          <m:rPr>
-                                            <m:sty m:val="p"/>
-                                          </m:rPr>
-                                          <a:rPr lang="en-US" sz="1800">
-                                            <a:effectLst/>
-                                            <a:latin typeface="Cambria Math"/>
-                                          </a:rPr>
-                                          <m:t>X</m:t>
-                                        </m:r>
-                                      </m:e>
-                                    </m:nary>
-                                    <m:r>
-                                      <a:rPr lang="en-US" sz="1800">
-                                        <a:effectLst/>
-                                        <a:latin typeface="Cambria Math"/>
-                                      </a:rPr>
-                                      <m:t>)</m:t>
-                                    </m:r>
-                                  </m:e>
-                                  <m:sup>
-                                    <m:r>
-                                      <a:rPr lang="en-US" sz="1800">
-                                        <a:effectLst/>
-                                        <a:latin typeface="Cambria Math"/>
-                                      </a:rPr>
-                                      <m:t>2</m:t>
-                                    </m:r>
-                                  </m:sup>
-                                </m:sSup>
-                              </m:oMath>
-                            </m:oMathPara>
-                          </a14:m>
-                          <a:endParaRPr lang="en-US" sz="2400" dirty="0">
-                            <a:effectLst/>
-                            <a:latin typeface="Palatino Linotype" pitchFamily="18" charset="0"/>
-                            <a:ea typeface="Calibri"/>
-                            <a:cs typeface="Times New Roman"/>
-                          </a:endParaRPr>
-                        </a:p>
-                      </a:txBody>
-                      <a:tcPr marL="68580" marR="68580" marT="0" marB="0"/>
-                    </a:tc>
-                    <a:extLst>
-                      <a:ext uri="{0D108BD9-81ED-4DB2-BD59-A6C34878D82A}">
-                        <a16:rowId xmlns:a16="http://schemas.microsoft.com/office/drawing/2014/main" val="10003"/>
-                      </a:ext>
-                    </a:extLst>
-                  </a:tr>
-                  <a:tr h="722708">
-                    <a:tc>
-                      <a:txBody>
-                        <a:bodyPr/>
-                        <a:lstStyle/>
-                        <a:p>
-                          <a:pPr marL="0" marR="0" lvl="0" indent="0" algn="ctr">
-                            <a:lnSpc>
-                              <a:spcPct val="115000"/>
-                            </a:lnSpc>
-                            <a:spcBef>
-                              <a:spcPts val="0"/>
-                            </a:spcBef>
-                            <a:spcAft>
-                              <a:spcPts val="0"/>
-                            </a:spcAft>
-                            <a:buFont typeface="+mj-lt"/>
-                            <a:buNone/>
-                          </a:pPr>
-                          <a14:m>
-                            <m:oMathPara xmlns:m="http://schemas.openxmlformats.org/officeDocument/2006/math">
-                              <m:oMathParaPr>
-                                <m:jc m:val="centerGroup"/>
-                              </m:oMathParaPr>
-                              <m:oMath xmlns:m="http://schemas.openxmlformats.org/officeDocument/2006/math">
-                                <m:r>
-                                  <a:rPr lang="en-US" sz="1800">
-                                    <a:effectLst/>
-                                    <a:latin typeface="Cambria Math"/>
-                                  </a:rPr>
-                                  <m:t>(</m:t>
-                                </m:r>
-                                <m:nary>
-                                  <m:naryPr>
-                                    <m:chr m:val="∑"/>
-                                    <m:limLoc m:val="undOvr"/>
-                                    <m:subHide m:val="on"/>
-                                    <m:supHide m:val="on"/>
-                                    <m:ctrlPr>
-                                      <a:rPr lang="en-US" sz="1800" i="1">
-                                        <a:effectLst/>
-                                        <a:latin typeface="Cambria Math" panose="02040503050406030204" pitchFamily="18" charset="0"/>
-                                      </a:rPr>
-                                    </m:ctrlPr>
-                                  </m:naryPr>
-                                  <m:sub/>
-                                  <m:sup/>
-                                  <m:e>
-                                    <m:r>
-                                      <m:rPr>
-                                        <m:sty m:val="p"/>
-                                      </m:rPr>
-                                      <a:rPr lang="en-US" sz="1800">
-                                        <a:effectLst/>
-                                        <a:latin typeface="Cambria Math"/>
-                                      </a:rPr>
-                                      <m:t>X</m:t>
-                                    </m:r>
-                                  </m:e>
-                                </m:nary>
-                                <m:r>
-                                  <a:rPr lang="en-US" sz="1800">
-                                    <a:effectLst/>
-                                    <a:latin typeface="Cambria Math"/>
-                                  </a:rPr>
-                                  <m:t>)(</m:t>
-                                </m:r>
-                                <m:nary>
-                                  <m:naryPr>
-                                    <m:chr m:val="∑"/>
-                                    <m:limLoc m:val="undOvr"/>
-                                    <m:subHide m:val="on"/>
-                                    <m:supHide m:val="on"/>
-                                    <m:ctrlPr>
-                                      <a:rPr lang="en-US" sz="1800" i="1">
-                                        <a:effectLst/>
-                                        <a:latin typeface="Cambria Math" panose="02040503050406030204" pitchFamily="18" charset="0"/>
-                                      </a:rPr>
-                                    </m:ctrlPr>
-                                  </m:naryPr>
-                                  <m:sub/>
-                                  <m:sup/>
-                                  <m:e>
-                                    <m:r>
-                                      <m:rPr>
-                                        <m:sty m:val="p"/>
-                                      </m:rPr>
-                                      <a:rPr lang="en-US" sz="1800">
-                                        <a:effectLst/>
-                                        <a:latin typeface="Cambria Math"/>
-                                      </a:rPr>
-                                      <m:t>Y</m:t>
-                                    </m:r>
-                                  </m:e>
-                                </m:nary>
-                                <m:r>
-                                  <a:rPr lang="en-US" sz="1800">
-                                    <a:effectLst/>
-                                    <a:latin typeface="Cambria Math"/>
-                                  </a:rPr>
-                                  <m:t>)</m:t>
-                                </m:r>
-                              </m:oMath>
-                            </m:oMathPara>
-                          </a14:m>
-                          <a:endParaRPr lang="en-US" sz="2400" dirty="0">
-                            <a:effectLst/>
-                            <a:latin typeface="Palatino Linotype" pitchFamily="18" charset="0"/>
-                            <a:ea typeface="Calibri"/>
-                            <a:cs typeface="Times New Roman"/>
-                          </a:endParaRPr>
-                        </a:p>
-                      </a:txBody>
-                      <a:tcPr marL="68580" marR="68580" marT="0" marB="0"/>
-                    </a:tc>
-                    <a:extLst>
-                      <a:ext uri="{0D108BD9-81ED-4DB2-BD59-A6C34878D82A}">
-                        <a16:rowId xmlns:a16="http://schemas.microsoft.com/office/drawing/2014/main" val="10004"/>
-                      </a:ext>
-                    </a:extLst>
-                  </a:tr>
-                  <a:tr h="298455">
-                    <a:tc>
-                      <a:txBody>
-                        <a:bodyPr/>
-                        <a:lstStyle/>
-                        <a:p>
-                          <a:pPr marL="0" marR="0" lvl="0" indent="0" algn="ctr">
-                            <a:lnSpc>
-                              <a:spcPct val="115000"/>
-                            </a:lnSpc>
-                            <a:spcBef>
-                              <a:spcPts val="0"/>
-                            </a:spcBef>
-                            <a:spcAft>
-                              <a:spcPts val="0"/>
-                            </a:spcAft>
-                            <a:buFont typeface="+mj-lt"/>
-                            <a:buNone/>
-                          </a:pPr>
-                          <a14:m>
-                            <m:oMathPara xmlns:m="http://schemas.openxmlformats.org/officeDocument/2006/math">
-                              <m:oMathParaPr>
-                                <m:jc m:val="centerGroup"/>
-                              </m:oMathParaPr>
-                              <m:oMath xmlns:m="http://schemas.openxmlformats.org/officeDocument/2006/math">
-                                <m:sSub>
-                                  <m:sSubPr>
-                                    <m:ctrlPr>
-                                      <a:rPr lang="en-US" sz="1800" i="1">
-                                        <a:effectLst/>
-                                        <a:latin typeface="Cambria Math" panose="02040503050406030204" pitchFamily="18" charset="0"/>
-                                      </a:rPr>
-                                    </m:ctrlPr>
-                                  </m:sSubPr>
-                                  <m:e>
-                                    <m:r>
-                                      <m:rPr>
-                                        <m:sty m:val="p"/>
-                                      </m:rPr>
-                                      <a:rPr lang="en-US" sz="1800">
-                                        <a:effectLst/>
-                                        <a:latin typeface="Cambria Math"/>
-                                      </a:rPr>
-                                      <m:t>X</m:t>
-                                    </m:r>
-                                  </m:e>
-                                  <m:sub>
-                                    <m:r>
-                                      <a:rPr lang="en-US" sz="1800">
-                                        <a:effectLst/>
-                                        <a:latin typeface="Cambria Math"/>
-                                      </a:rPr>
-                                      <m:t>1</m:t>
-                                    </m:r>
-                                  </m:sub>
-                                </m:sSub>
-                              </m:oMath>
-                            </m:oMathPara>
-                          </a14:m>
-                          <a:endParaRPr lang="en-US" sz="2400" dirty="0">
-                            <a:effectLst/>
-                            <a:latin typeface="Palatino Linotype" pitchFamily="18" charset="0"/>
-                            <a:ea typeface="Calibri"/>
-                            <a:cs typeface="Times New Roman"/>
-                          </a:endParaRPr>
-                        </a:p>
-                      </a:txBody>
-                      <a:tcPr marL="68580" marR="68580" marT="0" marB="0"/>
-                    </a:tc>
-                    <a:extLst>
-                      <a:ext uri="{0D108BD9-81ED-4DB2-BD59-A6C34878D82A}">
-                        <a16:rowId xmlns:a16="http://schemas.microsoft.com/office/drawing/2014/main" val="10005"/>
-                      </a:ext>
-                    </a:extLst>
-                  </a:tr>
-                  <a:tr h="722708">
-                    <a:tc>
-                      <a:txBody>
-                        <a:bodyPr/>
-                        <a:lstStyle/>
-                        <a:p>
-                          <a:pPr marL="0" marR="0" lvl="0" indent="0" algn="ctr">
-                            <a:lnSpc>
-                              <a:spcPct val="115000"/>
-                            </a:lnSpc>
-                            <a:spcBef>
-                              <a:spcPts val="0"/>
-                            </a:spcBef>
-                            <a:spcAft>
-                              <a:spcPts val="0"/>
-                            </a:spcAft>
-                            <a:buFont typeface="+mj-lt"/>
-                            <a:buNone/>
-                          </a:pPr>
-                          <a14:m>
-                            <m:oMathPara xmlns:m="http://schemas.openxmlformats.org/officeDocument/2006/math">
-                              <m:oMathParaPr>
-                                <m:jc m:val="centerGroup"/>
-                              </m:oMathParaPr>
-                              <m:oMath xmlns:m="http://schemas.openxmlformats.org/officeDocument/2006/math">
-                                <m:r>
-                                  <m:rPr>
-                                    <m:sty m:val="p"/>
-                                  </m:rPr>
-                                  <a:rPr lang="en-US" sz="1800">
-                                    <a:effectLst/>
-                                    <a:latin typeface="Cambria Math"/>
-                                  </a:rPr>
-                                  <m:t>N</m:t>
-                                </m:r>
-                                <m:nary>
-                                  <m:naryPr>
-                                    <m:chr m:val="∑"/>
-                                    <m:limLoc m:val="undOvr"/>
-                                    <m:subHide m:val="on"/>
-                                    <m:supHide m:val="on"/>
-                                    <m:ctrlPr>
-                                      <a:rPr lang="en-US" sz="1800" i="1">
-                                        <a:effectLst/>
-                                        <a:latin typeface="Cambria Math" panose="02040503050406030204" pitchFamily="18" charset="0"/>
-                                      </a:rPr>
-                                    </m:ctrlPr>
-                                  </m:naryPr>
-                                  <m:sub/>
-                                  <m:sup/>
-                                  <m:e>
-                                    <m:sSup>
-                                      <m:sSupPr>
-                                        <m:ctrlPr>
-                                          <a:rPr lang="en-US" sz="1800" i="1">
-                                            <a:effectLst/>
-                                            <a:latin typeface="Cambria Math" panose="02040503050406030204" pitchFamily="18" charset="0"/>
-                                          </a:rPr>
-                                        </m:ctrlPr>
-                                      </m:sSupPr>
-                                      <m:e>
-                                        <m:r>
-                                          <m:rPr>
-                                            <m:sty m:val="p"/>
-                                          </m:rPr>
-                                          <a:rPr lang="en-US" sz="1800">
-                                            <a:effectLst/>
-                                            <a:latin typeface="Cambria Math"/>
-                                          </a:rPr>
-                                          <m:t>X</m:t>
-                                        </m:r>
-                                      </m:e>
-                                      <m:sup>
-                                        <m:r>
-                                          <a:rPr lang="en-US" sz="1800">
-                                            <a:effectLst/>
-                                            <a:latin typeface="Cambria Math"/>
-                                          </a:rPr>
-                                          <m:t>2</m:t>
-                                        </m:r>
-                                      </m:sup>
-                                    </m:sSup>
-                                  </m:e>
-                                </m:nary>
-                              </m:oMath>
-                            </m:oMathPara>
-                          </a14:m>
-                          <a:endParaRPr lang="en-US" sz="2400" dirty="0">
-                            <a:effectLst/>
-                            <a:latin typeface="Palatino Linotype" pitchFamily="18" charset="0"/>
-                            <a:ea typeface="Calibri"/>
-                            <a:cs typeface="Times New Roman"/>
-                          </a:endParaRPr>
-                        </a:p>
-                      </a:txBody>
-                      <a:tcPr marL="68580" marR="68580" marT="0" marB="0"/>
-                    </a:tc>
-                    <a:extLst>
-                      <a:ext uri="{0D108BD9-81ED-4DB2-BD59-A6C34878D82A}">
-                        <a16:rowId xmlns:a16="http://schemas.microsoft.com/office/drawing/2014/main" val="10006"/>
-                      </a:ext>
-                    </a:extLst>
-                  </a:tr>
-                  <a:tr h="722708">
-                    <a:tc>
-                      <a:txBody>
-                        <a:bodyPr/>
-                        <a:lstStyle/>
-                        <a:p>
-                          <a:pPr marL="0" marR="0" lvl="0" indent="0" algn="ctr">
-                            <a:lnSpc>
-                              <a:spcPct val="115000"/>
-                            </a:lnSpc>
-                            <a:spcBef>
-                              <a:spcPts val="0"/>
-                            </a:spcBef>
-                            <a:spcAft>
-                              <a:spcPts val="0"/>
-                            </a:spcAft>
-                            <a:buFont typeface="+mj-lt"/>
-                            <a:buNone/>
-                          </a:pPr>
-                          <a14:m>
-                            <m:oMathPara xmlns:m="http://schemas.openxmlformats.org/officeDocument/2006/math">
-                              <m:oMathParaPr>
-                                <m:jc m:val="centerGroup"/>
-                              </m:oMathParaPr>
-                              <m:oMath xmlns:m="http://schemas.openxmlformats.org/officeDocument/2006/math">
-                                <m:r>
-                                  <m:rPr>
-                                    <m:sty m:val="p"/>
-                                  </m:rPr>
-                                  <a:rPr lang="en-US" sz="1800">
-                                    <a:effectLst/>
-                                    <a:latin typeface="Cambria Math"/>
-                                  </a:rPr>
-                                  <m:t>N</m:t>
-                                </m:r>
-                                <m:nary>
-                                  <m:naryPr>
-                                    <m:chr m:val="∑"/>
-                                    <m:limLoc m:val="undOvr"/>
-                                    <m:subHide m:val="on"/>
-                                    <m:supHide m:val="on"/>
-                                    <m:ctrlPr>
-                                      <a:rPr lang="en-US" sz="1800" i="1">
-                                        <a:effectLst/>
-                                        <a:latin typeface="Cambria Math" panose="02040503050406030204" pitchFamily="18" charset="0"/>
-                                      </a:rPr>
-                                    </m:ctrlPr>
-                                  </m:naryPr>
-                                  <m:sub/>
-                                  <m:sup/>
-                                  <m:e>
-                                    <m:r>
-                                      <m:rPr>
-                                        <m:sty m:val="p"/>
-                                      </m:rPr>
-                                      <a:rPr lang="en-US" sz="1800">
-                                        <a:effectLst/>
-                                        <a:latin typeface="Cambria Math"/>
-                                      </a:rPr>
-                                      <m:t>XY</m:t>
-                                    </m:r>
-                                  </m:e>
-                                </m:nary>
-                              </m:oMath>
-                            </m:oMathPara>
-                          </a14:m>
-                          <a:endParaRPr lang="en-US" sz="2400" dirty="0">
-                            <a:effectLst/>
-                            <a:latin typeface="Palatino Linotype" pitchFamily="18" charset="0"/>
-                            <a:ea typeface="Calibri"/>
-                            <a:cs typeface="Times New Roman"/>
-                          </a:endParaRPr>
-                        </a:p>
-                      </a:txBody>
-                      <a:tcPr marL="68580" marR="68580" marT="0" marB="0"/>
-                    </a:tc>
-                    <a:extLst>
-                      <a:ext uri="{0D108BD9-81ED-4DB2-BD59-A6C34878D82A}">
-                        <a16:rowId xmlns:a16="http://schemas.microsoft.com/office/drawing/2014/main" val="10007"/>
-                      </a:ext>
-                    </a:extLst>
-                  </a:tr>
-                </a:tbl>
-              </a:graphicData>
-            </a:graphic>
-          </p:graphicFrame>
-        </mc:Choice>
-        <mc:Fallback xmlns="">
-          <p:graphicFrame>
-            <p:nvGraphicFramePr>
-              <p:cNvPr id="7" name="Table 6"/>
-              <p:cNvGraphicFramePr>
-                <a:graphicFrameLocks noGrp="1"/>
-              </p:cNvGraphicFramePr>
-              <p:nvPr>
-                <p:extLst>
-                  <p:ext uri="{D42A27DB-BD31-4B8C-83A1-F6EECF244321}">
-                    <p14:modId xmlns:p14="http://schemas.microsoft.com/office/powerpoint/2010/main" val="1389831081"/>
-                  </p:ext>
-                </p:extLst>
-              </p:nvPr>
-            </p:nvGraphicFramePr>
-            <p:xfrm>
-              <a:off x="5562600" y="1932966"/>
-              <a:ext cx="1676400" cy="5027681"/>
-            </p:xfrm>
-            <a:graphic>
-              <a:graphicData uri="http://schemas.openxmlformats.org/drawingml/2006/table">
-                <a:tbl>
-                  <a:tblPr firstRow="1" firstCol="1" bandRow="1">
-                    <a:tableStyleId>{5C22544A-7EE6-4342-B048-85BDC9FD1C3A}</a:tableStyleId>
-                  </a:tblPr>
-                  <a:tblGrid>
-                    <a:gridCol w="1676400"/>
-                  </a:tblGrid>
-                  <a:tr h="298455">
-                    <a:tc>
-                      <a:txBody>
-                        <a:bodyPr/>
-                        <a:lstStyle/>
-                        <a:p>
-                          <a:pPr marL="0" marR="0" lvl="0" indent="0" algn="ctr">
-                            <a:lnSpc>
-                              <a:spcPct val="115000"/>
-                            </a:lnSpc>
-                            <a:spcBef>
-                              <a:spcPts val="0"/>
-                            </a:spcBef>
-                            <a:spcAft>
-                              <a:spcPts val="0"/>
-                            </a:spcAft>
-                            <a:buFont typeface="+mj-lt"/>
-                            <a:buNone/>
-                          </a:pPr>
-                          <a:r>
-                            <a:rPr lang="en-US" sz="1800" dirty="0">
-                              <a:effectLst/>
-                              <a:latin typeface="Palatino Linotype" pitchFamily="18" charset="0"/>
-                            </a:rPr>
-                            <a:t>N</a:t>
-                          </a:r>
-                          <a:endParaRPr lang="en-US" sz="2400" dirty="0">
-                            <a:effectLst/>
-                            <a:latin typeface="Palatino Linotype" pitchFamily="18" charset="0"/>
-                            <a:ea typeface="Calibri"/>
-                            <a:cs typeface="Times New Roman"/>
-                          </a:endParaRPr>
-                        </a:p>
-                      </a:txBody>
-                      <a:tcPr marL="68580" marR="68580" marT="0" marB="0"/>
-                    </a:tc>
-                  </a:tr>
-                  <a:tr h="594233">
-                    <a:tc>
-                      <a:txBody>
-                        <a:bodyPr/>
-                        <a:lstStyle/>
-                        <a:p>
-                          <a:endParaRPr lang="en-US"/>
-                        </a:p>
-                      </a:txBody>
-                      <a:tcPr marL="68580" marR="68580" marT="0" marB="0">
-                        <a:blipFill rotWithShape="1">
-                          <a:blip r:embed="rId2"/>
-                          <a:stretch>
-                            <a:fillRect l="-364" t="-58763" b="-700000"/>
-                          </a:stretch>
-                        </a:blipFill>
-                      </a:tcPr>
-                    </a:tc>
-                  </a:tr>
-                  <a:tr h="763905">
-                    <a:tc>
-                      <a:txBody>
-                        <a:bodyPr/>
-                        <a:lstStyle/>
-                        <a:p>
-                          <a:endParaRPr lang="en-US"/>
-                        </a:p>
-                      </a:txBody>
-                      <a:tcPr marL="68580" marR="68580" marT="0" marB="0">
-                        <a:blipFill rotWithShape="1">
-                          <a:blip r:embed="rId2"/>
-                          <a:stretch>
-                            <a:fillRect l="-364" t="-122222" b="-438889"/>
-                          </a:stretch>
-                        </a:blipFill>
-                      </a:tcPr>
-                    </a:tc>
-                  </a:tr>
-                  <a:tr h="763905">
-                    <a:tc>
-                      <a:txBody>
-                        <a:bodyPr/>
-                        <a:lstStyle/>
-                        <a:p>
-                          <a:endParaRPr lang="en-US"/>
-                        </a:p>
-                      </a:txBody>
-                      <a:tcPr marL="68580" marR="68580" marT="0" marB="0">
-                        <a:blipFill rotWithShape="1">
-                          <a:blip r:embed="rId2"/>
-                          <a:stretch>
-                            <a:fillRect l="-364" t="-224000" b="-342400"/>
-                          </a:stretch>
-                        </a:blipFill>
-                      </a:tcPr>
-                    </a:tc>
-                  </a:tr>
-                  <a:tr h="763905">
-                    <a:tc>
-                      <a:txBody>
-                        <a:bodyPr/>
-                        <a:lstStyle/>
-                        <a:p>
-                          <a:endParaRPr lang="en-US"/>
-                        </a:p>
-                      </a:txBody>
-                      <a:tcPr marL="68580" marR="68580" marT="0" marB="0">
-                        <a:blipFill rotWithShape="1">
-                          <a:blip r:embed="rId2"/>
-                          <a:stretch>
-                            <a:fillRect l="-364" t="-321429" b="-239683"/>
-                          </a:stretch>
-                        </a:blipFill>
-                      </a:tcPr>
-                    </a:tc>
-                  </a:tr>
-                  <a:tr h="315468">
-                    <a:tc>
-                      <a:txBody>
-                        <a:bodyPr/>
-                        <a:lstStyle/>
-                        <a:p>
-                          <a:endParaRPr lang="en-US"/>
-                        </a:p>
-                      </a:txBody>
-                      <a:tcPr marL="68580" marR="68580" marT="0" marB="0">
-                        <a:blipFill rotWithShape="1">
-                          <a:blip r:embed="rId2"/>
-                          <a:stretch>
-                            <a:fillRect l="-364" t="-1041176" b="-492157"/>
-                          </a:stretch>
-                        </a:blipFill>
-                      </a:tcPr>
-                    </a:tc>
-                  </a:tr>
-                  <a:tr h="763905">
-                    <a:tc>
-                      <a:txBody>
-                        <a:bodyPr/>
-                        <a:lstStyle/>
-                        <a:p>
-                          <a:endParaRPr lang="en-US"/>
-                        </a:p>
-                      </a:txBody>
-                      <a:tcPr marL="68580" marR="68580" marT="0" marB="0">
-                        <a:blipFill rotWithShape="1">
-                          <a:blip r:embed="rId2"/>
-                          <a:stretch>
-                            <a:fillRect l="-364" t="-461905" b="-99206"/>
-                          </a:stretch>
-                        </a:blipFill>
-                      </a:tcPr>
-                    </a:tc>
-                  </a:tr>
-                  <a:tr h="763905">
-                    <a:tc>
-                      <a:txBody>
-                        <a:bodyPr/>
-                        <a:lstStyle/>
-                        <a:p>
-                          <a:endParaRPr lang="en-US"/>
-                        </a:p>
-                      </a:txBody>
-                      <a:tcPr marL="68580" marR="68580" marT="0" marB="0">
-                        <a:blipFill rotWithShape="1">
-                          <a:blip r:embed="rId2"/>
-                          <a:stretch>
-                            <a:fillRect l="-364" t="-566400"/>
-                          </a:stretch>
-                        </a:blipFill>
-                      </a:tcPr>
-                    </a:tc>
-                  </a:tr>
-                </a:tbl>
-              </a:graphicData>
-            </a:graphic>
-          </p:graphicFrame>
-        </mc:Fallback>
-      </mc:AlternateContent>
+      <p:graphicFrame>
+        <p:nvGraphicFramePr>
+          <p:cNvPr id="7" name="Table 6"/>
+          <p:cNvGraphicFramePr>
+            <a:graphicFrameLocks noGrp="1"/>
+          </p:cNvGraphicFramePr>
+          <p:nvPr>
+            <p:extLst>
+              <p:ext uri="{D42A27DB-BD31-4B8C-83A1-F6EECF244321}">
+                <p14:modId xmlns:p14="http://schemas.microsoft.com/office/powerpoint/2010/main" val="1389831081"/>
+              </p:ext>
+            </p:extLst>
+          </p:nvPr>
+        </p:nvGraphicFramePr>
+        <p:xfrm>
+          <a:off x="5562600" y="1932966"/>
+          <a:ext cx="1676400" cy="4806662"/>
+        </p:xfrm>
+        <a:graphic>
+          <a:graphicData uri="http://schemas.openxmlformats.org/drawingml/2006/table">
+            <a:tbl>
+              <a:tblPr firstRow="1" firstCol="1" bandRow="1">
+                <a:tableStyleId>{5C22544A-7EE6-4342-B048-85BDC9FD1C3A}</a:tableStyleId>
+              </a:tblPr>
+              <a:tblGrid>
+                <a:gridCol w="1676400">
+                  <a:extLst>
+                    <a:ext uri="{9D8B030D-6E8A-4147-A177-3AD203B41FA5}">
+                      <a16:colId xmlns:a16="http://schemas.microsoft.com/office/drawing/2014/main" val="20000"/>
+                    </a:ext>
+                  </a:extLst>
+                </a:gridCol>
+              </a:tblGrid>
+              <a:tr h="298455">
+                <a:tc>
+                  <a:txBody>
+                    <a:bodyPr/>
+                    <a:lstStyle/>
+                    <a:p>
+                      <a:pPr marL="0" marR="0" lvl="0" indent="0" algn="ctr">
+                        <a:lnSpc>
+                          <a:spcPct val="115000"/>
+                        </a:lnSpc>
+                        <a:spcBef>
+                          <a:spcPts val="0"/>
+                        </a:spcBef>
+                        <a:spcAft>
+                          <a:spcPts val="0"/>
+                        </a:spcAft>
+                        <a:buFont typeface="+mj-lt"/>
+                        <a:buNone/>
+                      </a:pPr>
+                      <a:r>
+                        <a:rPr lang="en-US" sz="1800" dirty="0">
+                          <a:effectLst/>
+                          <a:latin typeface="Palatino Linotype" pitchFamily="18" charset="0"/>
+                        </a:rPr>
+                        <a:t>N</a:t>
+                      </a:r>
+                      <a:endParaRPr lang="en-US" sz="2400" dirty="0">
+                        <a:effectLst/>
+                        <a:latin typeface="Palatino Linotype" pitchFamily="18" charset="0"/>
+                        <a:ea typeface="Calibri"/>
+                        <a:cs typeface="Times New Roman"/>
+                      </a:endParaRPr>
+                    </a:p>
+                  </a:txBody>
+                  <a:tcPr marL="68580" marR="68580" marT="0" marB="0"/>
+                </a:tc>
+                <a:extLst>
+                  <a:ext uri="{0D108BD9-81ED-4DB2-BD59-A6C34878D82A}">
+                    <a16:rowId xmlns:a16="http://schemas.microsoft.com/office/drawing/2014/main" val="10000"/>
+                  </a:ext>
+                </a:extLst>
+              </a:tr>
+              <a:tr h="562186">
+                <a:tc>
+                  <a:txBody>
+                    <a:bodyPr/>
+                    <a:lstStyle/>
+                    <a:p>
+                      <a:pPr marL="0" marR="0" lvl="0" indent="0" algn="ctr">
+                        <a:lnSpc>
+                          <a:spcPct val="115000"/>
+                        </a:lnSpc>
+                        <a:spcBef>
+                          <a:spcPts val="0"/>
+                        </a:spcBef>
+                        <a:spcAft>
+                          <a:spcPts val="0"/>
+                        </a:spcAft>
+                        <a:buFont typeface="+mj-lt"/>
+                        <a:buNone/>
+                      </a:pPr>
+                      <a:endParaRPr lang="en-US" sz="1800" dirty="0">
+                        <a:effectLst/>
+                        <a:latin typeface="Palatino Linotype" pitchFamily="18" charset="0"/>
+                        <a:ea typeface="Calibri"/>
+                        <a:cs typeface="Times New Roman"/>
+                      </a:endParaRPr>
+                    </a:p>
+                  </a:txBody>
+                  <a:tcPr marL="68580" marR="68580" marT="0" marB="0"/>
+                </a:tc>
+                <a:extLst>
+                  <a:ext uri="{0D108BD9-81ED-4DB2-BD59-A6C34878D82A}">
+                    <a16:rowId xmlns:a16="http://schemas.microsoft.com/office/drawing/2014/main" val="10001"/>
+                  </a:ext>
+                </a:extLst>
+              </a:tr>
+              <a:tr h="722708">
+                <a:tc>
+                  <a:txBody>
+                    <a:bodyPr/>
+                    <a:lstStyle/>
+                    <a:p>
+                      <a:pPr marL="0" marR="0" lvl="0" indent="0" algn="ctr">
+                        <a:lnSpc>
+                          <a:spcPct val="115000"/>
+                        </a:lnSpc>
+                        <a:spcBef>
+                          <a:spcPts val="0"/>
+                        </a:spcBef>
+                        <a:spcAft>
+                          <a:spcPts val="0"/>
+                        </a:spcAft>
+                        <a:buFont typeface="+mj-lt"/>
+                        <a:buNone/>
+                      </a:pPr>
+                      <a:endParaRPr lang="en-US" sz="2400" dirty="0">
+                        <a:effectLst/>
+                        <a:latin typeface="Palatino Linotype" pitchFamily="18" charset="0"/>
+                        <a:ea typeface="Calibri"/>
+                        <a:cs typeface="Times New Roman"/>
+                      </a:endParaRPr>
+                    </a:p>
+                  </a:txBody>
+                  <a:tcPr marL="68580" marR="68580" marT="0" marB="0"/>
+                </a:tc>
+                <a:extLst>
+                  <a:ext uri="{0D108BD9-81ED-4DB2-BD59-A6C34878D82A}">
+                    <a16:rowId xmlns:a16="http://schemas.microsoft.com/office/drawing/2014/main" val="10002"/>
+                  </a:ext>
+                </a:extLst>
+              </a:tr>
+              <a:tr h="722708">
+                <a:tc>
+                  <a:txBody>
+                    <a:bodyPr/>
+                    <a:lstStyle/>
+                    <a:p>
+                      <a:pPr marL="0" marR="0" lvl="0" indent="0" algn="ctr">
+                        <a:lnSpc>
+                          <a:spcPct val="115000"/>
+                        </a:lnSpc>
+                        <a:spcBef>
+                          <a:spcPts val="0"/>
+                        </a:spcBef>
+                        <a:spcAft>
+                          <a:spcPts val="0"/>
+                        </a:spcAft>
+                        <a:buFont typeface="+mj-lt"/>
+                        <a:buNone/>
+                      </a:pPr>
+                      <a:endParaRPr lang="en-US" sz="2400" dirty="0">
+                        <a:effectLst/>
+                        <a:latin typeface="Palatino Linotype" pitchFamily="18" charset="0"/>
+                        <a:ea typeface="Calibri"/>
+                        <a:cs typeface="Times New Roman"/>
+                      </a:endParaRPr>
+                    </a:p>
+                  </a:txBody>
+                  <a:tcPr marL="68580" marR="68580" marT="0" marB="0"/>
+                </a:tc>
+                <a:extLst>
+                  <a:ext uri="{0D108BD9-81ED-4DB2-BD59-A6C34878D82A}">
+                    <a16:rowId xmlns:a16="http://schemas.microsoft.com/office/drawing/2014/main" val="10003"/>
+                  </a:ext>
+                </a:extLst>
+              </a:tr>
+              <a:tr h="722708">
+                <a:tc>
+                  <a:txBody>
+                    <a:bodyPr/>
+                    <a:lstStyle/>
+                    <a:p>
+                      <a:pPr marL="0" marR="0" lvl="0" indent="0" algn="ctr">
+                        <a:lnSpc>
+                          <a:spcPct val="115000"/>
+                        </a:lnSpc>
+                        <a:spcBef>
+                          <a:spcPts val="0"/>
+                        </a:spcBef>
+                        <a:spcAft>
+                          <a:spcPts val="0"/>
+                        </a:spcAft>
+                        <a:buFont typeface="+mj-lt"/>
+                        <a:buNone/>
+                      </a:pPr>
+                      <a:endParaRPr lang="en-US" sz="2400" dirty="0">
+                        <a:effectLst/>
+                        <a:latin typeface="Palatino Linotype" pitchFamily="18" charset="0"/>
+                        <a:ea typeface="Calibri"/>
+                        <a:cs typeface="Times New Roman"/>
+                      </a:endParaRPr>
+                    </a:p>
+                  </a:txBody>
+                  <a:tcPr marL="68580" marR="68580" marT="0" marB="0"/>
+                </a:tc>
+                <a:extLst>
+                  <a:ext uri="{0D108BD9-81ED-4DB2-BD59-A6C34878D82A}">
+                    <a16:rowId xmlns:a16="http://schemas.microsoft.com/office/drawing/2014/main" val="10004"/>
+                  </a:ext>
+                </a:extLst>
+              </a:tr>
+              <a:tr h="298455">
+                <a:tc>
+                  <a:txBody>
+                    <a:bodyPr/>
+                    <a:lstStyle/>
+                    <a:p>
+                      <a:pPr marL="0" marR="0" lvl="0" indent="0" algn="ctr">
+                        <a:lnSpc>
+                          <a:spcPct val="115000"/>
+                        </a:lnSpc>
+                        <a:spcBef>
+                          <a:spcPts val="0"/>
+                        </a:spcBef>
+                        <a:spcAft>
+                          <a:spcPts val="0"/>
+                        </a:spcAft>
+                        <a:buFont typeface="+mj-lt"/>
+                        <a:buNone/>
+                      </a:pPr>
+                      <a:endParaRPr lang="en-US" sz="2400" dirty="0">
+                        <a:effectLst/>
+                        <a:latin typeface="Palatino Linotype" pitchFamily="18" charset="0"/>
+                        <a:ea typeface="Calibri"/>
+                        <a:cs typeface="Times New Roman"/>
+                      </a:endParaRPr>
+                    </a:p>
+                  </a:txBody>
+                  <a:tcPr marL="68580" marR="68580" marT="0" marB="0"/>
+                </a:tc>
+                <a:extLst>
+                  <a:ext uri="{0D108BD9-81ED-4DB2-BD59-A6C34878D82A}">
+                    <a16:rowId xmlns:a16="http://schemas.microsoft.com/office/drawing/2014/main" val="10005"/>
+                  </a:ext>
+                </a:extLst>
+              </a:tr>
+              <a:tr h="722708">
+                <a:tc>
+                  <a:txBody>
+                    <a:bodyPr/>
+                    <a:lstStyle/>
+                    <a:p>
+                      <a:pPr marL="0" marR="0" lvl="0" indent="0" algn="ctr">
+                        <a:lnSpc>
+                          <a:spcPct val="115000"/>
+                        </a:lnSpc>
+                        <a:spcBef>
+                          <a:spcPts val="0"/>
+                        </a:spcBef>
+                        <a:spcAft>
+                          <a:spcPts val="0"/>
+                        </a:spcAft>
+                        <a:buFont typeface="+mj-lt"/>
+                        <a:buNone/>
+                      </a:pPr>
+                      <a:endParaRPr lang="en-US" sz="2400" dirty="0">
+                        <a:effectLst/>
+                        <a:latin typeface="Palatino Linotype" pitchFamily="18" charset="0"/>
+                        <a:ea typeface="Calibri"/>
+                        <a:cs typeface="Times New Roman"/>
+                      </a:endParaRPr>
+                    </a:p>
+                  </a:txBody>
+                  <a:tcPr marL="68580" marR="68580" marT="0" marB="0"/>
+                </a:tc>
+                <a:extLst>
+                  <a:ext uri="{0D108BD9-81ED-4DB2-BD59-A6C34878D82A}">
+                    <a16:rowId xmlns:a16="http://schemas.microsoft.com/office/drawing/2014/main" val="10006"/>
+                  </a:ext>
+                </a:extLst>
+              </a:tr>
+              <a:tr h="722708">
+                <a:tc>
+                  <a:txBody>
+                    <a:bodyPr/>
+                    <a:lstStyle/>
+                    <a:p>
+                      <a:pPr marL="0" marR="0" lvl="0" indent="0" algn="ctr">
+                        <a:lnSpc>
+                          <a:spcPct val="115000"/>
+                        </a:lnSpc>
+                        <a:spcBef>
+                          <a:spcPts val="0"/>
+                        </a:spcBef>
+                        <a:spcAft>
+                          <a:spcPts val="0"/>
+                        </a:spcAft>
+                        <a:buFont typeface="+mj-lt"/>
+                        <a:buNone/>
+                      </a:pPr>
+                      <a:endParaRPr lang="en-US" sz="2400" dirty="0">
+                        <a:effectLst/>
+                        <a:latin typeface="Palatino Linotype" pitchFamily="18" charset="0"/>
+                        <a:ea typeface="Calibri"/>
+                        <a:cs typeface="Times New Roman"/>
+                      </a:endParaRPr>
+                    </a:p>
+                  </a:txBody>
+                  <a:tcPr marL="68580" marR="68580" marT="0" marB="0"/>
+                </a:tc>
+                <a:extLst>
+                  <a:ext uri="{0D108BD9-81ED-4DB2-BD59-A6C34878D82A}">
+                    <a16:rowId xmlns:a16="http://schemas.microsoft.com/office/drawing/2014/main" val="10007"/>
+                  </a:ext>
+                </a:extLst>
+              </a:tr>
+            </a:tbl>
+          </a:graphicData>
+        </a:graphic>
+      </p:graphicFrame>
     </p:spTree>
     <p:extLst>
       <p:ext uri="{BB962C8B-B14F-4D97-AF65-F5344CB8AC3E}">
@@ -18862,7 +18247,7 @@
           <a:graphicData uri="http://schemas.openxmlformats.org/presentationml/2006/ole">
             <mc:AlternateContent xmlns:mc="http://schemas.openxmlformats.org/markup-compatibility/2006">
               <mc:Choice xmlns:v="urn:schemas-microsoft-com:vml" Requires="v">
-                <p:oleObj spid="_x0000_s16682" name="Equation" r:id="rId3" imgW="2438400" imgH="457200" progId="Equation.3">
+                <p:oleObj spid="_x0000_s16725" name="Equation" r:id="rId3" imgW="2438400" imgH="457200" progId="Equation.3">
                   <p:embed/>
                 </p:oleObj>
               </mc:Choice>
@@ -18904,15 +18289,15 @@
                       </a:ln>
                       <a:effectLst/>
                       <a:extLst>
-                        <a:ext uri="{909E8E84-426E-40DD-AFC4-6F175D3DCCD1}">
-                          <a14:hiddenFill xmlns:a14="http://schemas.microsoft.com/office/drawing/2010/main">
+                        <a:ext uri="{909E8E84-426E-40dd-AFC4-6F175D3DCCD1}">
+                          <a14:hiddenFill xmlns:a14="http://schemas.microsoft.com/office/drawing/2010/main" xmlns="">
                             <a:solidFill>
                               <a:srgbClr val="FFFFFF"/>
                             </a:solidFill>
                           </a14:hiddenFill>
                         </a:ext>
-                        <a:ext uri="{91240B29-F687-4F45-9708-019B960494DF}">
-                          <a14:hiddenLine xmlns:a14="http://schemas.microsoft.com/office/drawing/2010/main" w="9525">
+                        <a:ext uri="{91240B29-F687-4f45-9708-019B960494DF}">
+                          <a14:hiddenLine xmlns:a14="http://schemas.microsoft.com/office/drawing/2010/main" xmlns="" w="9525">
                             <a:solidFill>
                               <a:srgbClr val="000000"/>
                             </a:solidFill>
@@ -18921,8 +18306,8 @@
                             <a:tailEnd/>
                           </a14:hiddenLine>
                         </a:ext>
-                        <a:ext uri="{AF507438-7753-43E0-B8FC-AC1667EBCBE1}">
-                          <a14:hiddenEffects xmlns:a14="http://schemas.microsoft.com/office/drawing/2010/main">
+                        <a:ext uri="{AF507438-7753-43e0-B8FC-AC1667EBCBE1}">
+                          <a14:hiddenEffects xmlns:a14="http://schemas.microsoft.com/office/drawing/2010/main" xmlns="">
                             <a:effectLst>
                               <a:outerShdw dist="35921" dir="2700000" algn="ctr" rotWithShape="0">
                                 <a:srgbClr val="808080">
@@ -18968,15 +18353,15 @@
           </a:ln>
           <a:effectLst/>
           <a:extLst>
-            <a:ext uri="{909E8E84-426E-40DD-AFC4-6F175D3DCCD1}">
-              <a14:hiddenFill xmlns:a14="http://schemas.microsoft.com/office/drawing/2010/main">
+            <a:ext uri="{909E8E84-426E-40dd-AFC4-6F175D3DCCD1}">
+              <a14:hiddenFill xmlns:a14="http://schemas.microsoft.com/office/drawing/2010/main" xmlns="">
                 <a:solidFill>
                   <a:schemeClr val="accent1"/>
                 </a:solidFill>
               </a14:hiddenFill>
             </a:ext>
-            <a:ext uri="{AF507438-7753-43E0-B8FC-AC1667EBCBE1}">
-              <a14:hiddenEffects xmlns:a14="http://schemas.microsoft.com/office/drawing/2010/main">
+            <a:ext uri="{AF507438-7753-43e0-B8FC-AC1667EBCBE1}">
+              <a14:hiddenEffects xmlns:a14="http://schemas.microsoft.com/office/drawing/2010/main" xmlns="">
                 <a:effectLst>
                   <a:outerShdw blurRad="63500" dist="38099" dir="2700000" algn="ctr" rotWithShape="0">
                     <a:schemeClr val="bg2">
@@ -19020,7 +18405,7 @@
           <a:graphicData uri="http://schemas.openxmlformats.org/presentationml/2006/ole">
             <mc:AlternateContent xmlns:mc="http://schemas.openxmlformats.org/markup-compatibility/2006">
               <mc:Choice xmlns:v="urn:schemas-microsoft-com:vml" Requires="v">
-                <p:oleObj spid="_x0000_s16683" name="Equation" r:id="rId5" imgW="1955800" imgH="457200" progId="Equation.3">
+                <p:oleObj spid="_x0000_s16726" name="Equation" r:id="rId5" imgW="1955800" imgH="457200" progId="Equation.3">
                   <p:embed/>
                 </p:oleObj>
               </mc:Choice>
@@ -19062,15 +18447,15 @@
                       </a:ln>
                       <a:effectLst/>
                       <a:extLst>
-                        <a:ext uri="{909E8E84-426E-40DD-AFC4-6F175D3DCCD1}">
-                          <a14:hiddenFill xmlns:a14="http://schemas.microsoft.com/office/drawing/2010/main">
+                        <a:ext uri="{909E8E84-426E-40dd-AFC4-6F175D3DCCD1}">
+                          <a14:hiddenFill xmlns:a14="http://schemas.microsoft.com/office/drawing/2010/main" xmlns="">
                             <a:solidFill>
                               <a:srgbClr val="FFFFFF"/>
                             </a:solidFill>
                           </a14:hiddenFill>
                         </a:ext>
-                        <a:ext uri="{91240B29-F687-4F45-9708-019B960494DF}">
-                          <a14:hiddenLine xmlns:a14="http://schemas.microsoft.com/office/drawing/2010/main" w="9525">
+                        <a:ext uri="{91240B29-F687-4f45-9708-019B960494DF}">
+                          <a14:hiddenLine xmlns:a14="http://schemas.microsoft.com/office/drawing/2010/main" xmlns="" w="9525">
                             <a:solidFill>
                               <a:srgbClr val="000000"/>
                             </a:solidFill>
@@ -19079,8 +18464,8 @@
                             <a:tailEnd/>
                           </a14:hiddenLine>
                         </a:ext>
-                        <a:ext uri="{AF507438-7753-43E0-B8FC-AC1667EBCBE1}">
-                          <a14:hiddenEffects xmlns:a14="http://schemas.microsoft.com/office/drawing/2010/main">
+                        <a:ext uri="{AF507438-7753-43e0-B8FC-AC1667EBCBE1}">
+                          <a14:hiddenEffects xmlns:a14="http://schemas.microsoft.com/office/drawing/2010/main" xmlns="">
                             <a:effectLst>
                               <a:outerShdw dist="35921" dir="2700000" algn="ctr" rotWithShape="0">
                                 <a:srgbClr val="808080">
@@ -19303,15 +18688,15 @@
           </a:ln>
           <a:effectLst/>
           <a:extLst>
-            <a:ext uri="{909E8E84-426E-40DD-AFC4-6F175D3DCCD1}">
-              <a14:hiddenFill xmlns:a14="http://schemas.microsoft.com/office/drawing/2010/main">
+            <a:ext uri="{909E8E84-426E-40dd-AFC4-6F175D3DCCD1}">
+              <a14:hiddenFill xmlns:a14="http://schemas.microsoft.com/office/drawing/2010/main" xmlns="">
                 <a:solidFill>
                   <a:schemeClr val="accent1"/>
                 </a:solidFill>
               </a14:hiddenFill>
             </a:ext>
-            <a:ext uri="{AF507438-7753-43E0-B8FC-AC1667EBCBE1}">
-              <a14:hiddenEffects xmlns:a14="http://schemas.microsoft.com/office/drawing/2010/main">
+            <a:ext uri="{AF507438-7753-43e0-B8FC-AC1667EBCBE1}">
+              <a14:hiddenEffects xmlns:a14="http://schemas.microsoft.com/office/drawing/2010/main" xmlns="">
                 <a:effectLst>
                   <a:outerShdw blurRad="63500" dist="38099" dir="2700000" algn="ctr" rotWithShape="0">
                     <a:schemeClr val="bg2">
@@ -19353,7 +18738,7 @@
           <a:graphicData uri="http://schemas.openxmlformats.org/presentationml/2006/ole">
             <mc:AlternateContent xmlns:mc="http://schemas.openxmlformats.org/markup-compatibility/2006">
               <mc:Choice xmlns:v="urn:schemas-microsoft-com:vml" Requires="v">
-                <p:oleObj spid="_x0000_s17706" name="Equation" r:id="rId3" imgW="1955800" imgH="457200" progId="Equation.3">
+                <p:oleObj spid="_x0000_s17749" name="Equation" r:id="rId3" imgW="1955800" imgH="457200" progId="Equation.3">
                   <p:embed/>
                 </p:oleObj>
               </mc:Choice>
@@ -19395,15 +18780,15 @@
                       </a:ln>
                       <a:effectLst/>
                       <a:extLst>
-                        <a:ext uri="{909E8E84-426E-40DD-AFC4-6F175D3DCCD1}">
-                          <a14:hiddenFill xmlns:a14="http://schemas.microsoft.com/office/drawing/2010/main">
+                        <a:ext uri="{909E8E84-426E-40dd-AFC4-6F175D3DCCD1}">
+                          <a14:hiddenFill xmlns:a14="http://schemas.microsoft.com/office/drawing/2010/main" xmlns="">
                             <a:solidFill>
                               <a:srgbClr val="FFFFFF"/>
                             </a:solidFill>
                           </a14:hiddenFill>
                         </a:ext>
-                        <a:ext uri="{91240B29-F687-4F45-9708-019B960494DF}">
-                          <a14:hiddenLine xmlns:a14="http://schemas.microsoft.com/office/drawing/2010/main" w="9525">
+                        <a:ext uri="{91240B29-F687-4f45-9708-019B960494DF}">
+                          <a14:hiddenLine xmlns:a14="http://schemas.microsoft.com/office/drawing/2010/main" xmlns="" w="9525">
                             <a:solidFill>
                               <a:srgbClr val="000000"/>
                             </a:solidFill>
@@ -19412,8 +18797,8 @@
                             <a:tailEnd/>
                           </a14:hiddenLine>
                         </a:ext>
-                        <a:ext uri="{AF507438-7753-43E0-B8FC-AC1667EBCBE1}">
-                          <a14:hiddenEffects xmlns:a14="http://schemas.microsoft.com/office/drawing/2010/main">
+                        <a:ext uri="{AF507438-7753-43e0-B8FC-AC1667EBCBE1}">
+                          <a14:hiddenEffects xmlns:a14="http://schemas.microsoft.com/office/drawing/2010/main" xmlns="">
                             <a:effectLst>
                               <a:outerShdw dist="35921" dir="2700000" algn="ctr" rotWithShape="0">
                                 <a:srgbClr val="808080">
@@ -19454,7 +18839,7 @@
           <a:graphicData uri="http://schemas.openxmlformats.org/presentationml/2006/ole">
             <mc:AlternateContent xmlns:mc="http://schemas.openxmlformats.org/markup-compatibility/2006">
               <mc:Choice xmlns:v="urn:schemas-microsoft-com:vml" Requires="v">
-                <p:oleObj spid="_x0000_s17707" name="Equation" r:id="rId5" imgW="2768600" imgH="457200" progId="Equation.3">
+                <p:oleObj spid="_x0000_s17750" name="Equation" r:id="rId5" imgW="2768600" imgH="457200" progId="Equation.3">
                   <p:embed/>
                 </p:oleObj>
               </mc:Choice>
@@ -19496,15 +18881,15 @@
                       </a:ln>
                       <a:effectLst/>
                       <a:extLst>
-                        <a:ext uri="{909E8E84-426E-40DD-AFC4-6F175D3DCCD1}">
-                          <a14:hiddenFill xmlns:a14="http://schemas.microsoft.com/office/drawing/2010/main">
+                        <a:ext uri="{909E8E84-426E-40dd-AFC4-6F175D3DCCD1}">
+                          <a14:hiddenFill xmlns:a14="http://schemas.microsoft.com/office/drawing/2010/main" xmlns="">
                             <a:solidFill>
                               <a:srgbClr val="FFFFFF"/>
                             </a:solidFill>
                           </a14:hiddenFill>
                         </a:ext>
-                        <a:ext uri="{91240B29-F687-4F45-9708-019B960494DF}">
-                          <a14:hiddenLine xmlns:a14="http://schemas.microsoft.com/office/drawing/2010/main" w="9525">
+                        <a:ext uri="{91240B29-F687-4f45-9708-019B960494DF}">
+                          <a14:hiddenLine xmlns:a14="http://schemas.microsoft.com/office/drawing/2010/main" xmlns="" w="9525">
                             <a:solidFill>
                               <a:srgbClr val="000000"/>
                             </a:solidFill>
@@ -19513,8 +18898,8 @@
                             <a:tailEnd/>
                           </a14:hiddenLine>
                         </a:ext>
-                        <a:ext uri="{AF507438-7753-43E0-B8FC-AC1667EBCBE1}">
-                          <a14:hiddenEffects xmlns:a14="http://schemas.microsoft.com/office/drawing/2010/main">
+                        <a:ext uri="{AF507438-7753-43e0-B8FC-AC1667EBCBE1}">
+                          <a14:hiddenEffects xmlns:a14="http://schemas.microsoft.com/office/drawing/2010/main" xmlns="">
                             <a:effectLst>
                               <a:outerShdw dist="35921" dir="2700000" algn="ctr" rotWithShape="0">
                                 <a:srgbClr val="808080">
@@ -19555,15 +18940,15 @@
           </a:ln>
           <a:effectLst/>
           <a:extLst>
-            <a:ext uri="{909E8E84-426E-40DD-AFC4-6F175D3DCCD1}">
-              <a14:hiddenFill xmlns:a14="http://schemas.microsoft.com/office/drawing/2010/main">
+            <a:ext uri="{909E8E84-426E-40dd-AFC4-6F175D3DCCD1}">
+              <a14:hiddenFill xmlns:a14="http://schemas.microsoft.com/office/drawing/2010/main" xmlns="">
                 <a:solidFill>
                   <a:schemeClr val="accent1"/>
                 </a:solidFill>
               </a14:hiddenFill>
             </a:ext>
-            <a:ext uri="{91240B29-F687-4F45-9708-019B960494DF}">
-              <a14:hiddenLine xmlns:a14="http://schemas.microsoft.com/office/drawing/2010/main" w="9525">
+            <a:ext uri="{91240B29-F687-4f45-9708-019B960494DF}">
+              <a14:hiddenLine xmlns:a14="http://schemas.microsoft.com/office/drawing/2010/main" xmlns="" w="9525">
                 <a:solidFill>
                   <a:schemeClr val="tx1"/>
                 </a:solidFill>
@@ -19572,8 +18957,8 @@
                 <a:tailEnd/>
               </a14:hiddenLine>
             </a:ext>
-            <a:ext uri="{AF507438-7753-43E0-B8FC-AC1667EBCBE1}">
-              <a14:hiddenEffects xmlns:a14="http://schemas.microsoft.com/office/drawing/2010/main">
+            <a:ext uri="{AF507438-7753-43e0-B8FC-AC1667EBCBE1}">
+              <a14:hiddenEffects xmlns:a14="http://schemas.microsoft.com/office/drawing/2010/main" xmlns="">
                 <a:effectLst>
                   <a:outerShdw blurRad="63500" dist="38099" dir="2700000" algn="ctr" rotWithShape="0">
                     <a:schemeClr val="bg2">
@@ -19884,31 +19269,31 @@
           <a:lstStyle/>
           <a:p>
             <a:r>
-              <a:rPr lang="en-US" altLang="zh-Hans" dirty="0"/>
+              <a:rPr lang="en-US" altLang="zh-CHS" dirty="0"/>
               <a:t>Example:</a:t>
             </a:r>
             <a:r>
-              <a:rPr lang="zh-Hans" altLang="en-US" dirty="0"/>
+              <a:rPr lang="zh-CHS" altLang="en-US" dirty="0"/>
               <a:t> </a:t>
             </a:r>
             <a:r>
-              <a:rPr lang="en-US" altLang="zh-Hans" dirty="0"/>
+              <a:rPr lang="en-US" altLang="zh-CHS" dirty="0"/>
               <a:t>Median</a:t>
             </a:r>
             <a:r>
-              <a:rPr lang="zh-Hans" altLang="en-US" dirty="0"/>
+              <a:rPr lang="zh-CHS" altLang="en-US" dirty="0"/>
               <a:t> </a:t>
             </a:r>
             <a:r>
-              <a:rPr lang="en-US" altLang="zh-Hans" dirty="0"/>
+              <a:rPr lang="en-US" altLang="zh-CHS" dirty="0"/>
               <a:t>versus</a:t>
             </a:r>
             <a:r>
-              <a:rPr lang="zh-Hans" altLang="en-US" dirty="0"/>
+              <a:rPr lang="zh-CHS" altLang="en-US" dirty="0"/>
               <a:t> </a:t>
             </a:r>
             <a:r>
-              <a:rPr lang="en-US" altLang="zh-Hans" dirty="0"/>
+              <a:rPr lang="en-US" altLang="zh-CHS" dirty="0"/>
               <a:t>Mean</a:t>
             </a:r>
             <a:endParaRPr lang="en-US" dirty="0"/>
@@ -19937,39 +19322,39 @@
           <a:lstStyle/>
           <a:p>
             <a:r>
-              <a:rPr lang="en-US" altLang="zh-Hans" dirty="0"/>
+              <a:rPr lang="en-US" altLang="zh-CHS" dirty="0"/>
               <a:t>US</a:t>
             </a:r>
             <a:r>
-              <a:rPr lang="zh-Hans" altLang="en-US" dirty="0"/>
+              <a:rPr lang="zh-CHS" altLang="en-US" dirty="0"/>
               <a:t> </a:t>
             </a:r>
             <a:r>
-              <a:rPr lang="en-US" altLang="zh-Hans" dirty="0"/>
+              <a:rPr lang="en-US" altLang="zh-CHS" dirty="0"/>
               <a:t>median</a:t>
             </a:r>
             <a:r>
-              <a:rPr lang="zh-Hans" altLang="en-US" dirty="0"/>
+              <a:rPr lang="zh-CHS" altLang="en-US" dirty="0"/>
               <a:t> </a:t>
             </a:r>
             <a:r>
-              <a:rPr lang="en-US" altLang="zh-Hans" dirty="0"/>
+              <a:rPr lang="en-US" altLang="zh-CHS" dirty="0"/>
               <a:t>and</a:t>
             </a:r>
             <a:r>
-              <a:rPr lang="zh-Hans" altLang="en-US" dirty="0"/>
+              <a:rPr lang="zh-CHS" altLang="en-US" dirty="0"/>
               <a:t> </a:t>
             </a:r>
             <a:r>
-              <a:rPr lang="en-US" altLang="zh-Hans" dirty="0"/>
+              <a:rPr lang="en-US" altLang="zh-CHS" dirty="0"/>
               <a:t>mean</a:t>
             </a:r>
             <a:r>
-              <a:rPr lang="zh-Hans" altLang="en-US" dirty="0"/>
+              <a:rPr lang="zh-CHS" altLang="en-US" dirty="0"/>
               <a:t> </a:t>
             </a:r>
             <a:r>
-              <a:rPr lang="en-US" altLang="zh-Hans" dirty="0"/>
+              <a:rPr lang="en-US" altLang="zh-CHS" dirty="0"/>
               <a:t>salary</a:t>
             </a:r>
             <a:endParaRPr lang="en-US" dirty="0"/>
@@ -20496,7 +19881,7 @@
         </p:nvGraphicFramePr>
         <p:xfrm>
           <a:off x="228600" y="2125821"/>
-          <a:ext cx="8763000" cy="3474720"/>
+          <a:ext cx="8763000" cy="3474719"/>
         </p:xfrm>
         <a:graphic>
           <a:graphicData uri="http://schemas.openxmlformats.org/drawingml/2006/table">
@@ -22022,15 +21407,15 @@
           </a:ln>
           <a:effectLst/>
           <a:extLst>
-            <a:ext uri="{909E8E84-426E-40DD-AFC4-6F175D3DCCD1}">
-              <a14:hiddenFill xmlns:a14="http://schemas.microsoft.com/office/drawing/2010/main">
+            <a:ext uri="{909E8E84-426E-40dd-AFC4-6F175D3DCCD1}">
+              <a14:hiddenFill xmlns:a14="http://schemas.microsoft.com/office/drawing/2010/main" xmlns="">
                 <a:solidFill>
                   <a:schemeClr val="accent1"/>
                 </a:solidFill>
               </a14:hiddenFill>
             </a:ext>
-            <a:ext uri="{91240B29-F687-4F45-9708-019B960494DF}">
-              <a14:hiddenLine xmlns:a14="http://schemas.microsoft.com/office/drawing/2010/main" w="9525">
+            <a:ext uri="{91240B29-F687-4f45-9708-019B960494DF}">
+              <a14:hiddenLine xmlns:a14="http://schemas.microsoft.com/office/drawing/2010/main" xmlns="" w="9525">
                 <a:solidFill>
                   <a:schemeClr val="tx1"/>
                 </a:solidFill>
@@ -22039,8 +21424,8 @@
                 <a:tailEnd/>
               </a14:hiddenLine>
             </a:ext>
-            <a:ext uri="{AF507438-7753-43E0-B8FC-AC1667EBCBE1}">
-              <a14:hiddenEffects xmlns:a14="http://schemas.microsoft.com/office/drawing/2010/main">
+            <a:ext uri="{AF507438-7753-43e0-B8FC-AC1667EBCBE1}">
+              <a14:hiddenEffects xmlns:a14="http://schemas.microsoft.com/office/drawing/2010/main" xmlns="">
                 <a:effectLst>
                   <a:outerShdw dist="35921" dir="2700000" algn="ctr" rotWithShape="0">
                     <a:schemeClr val="bg2"/>
@@ -22762,7 +22147,7 @@
           <p:nvPr>
             <p:extLst>
               <p:ext uri="{D42A27DB-BD31-4B8C-83A1-F6EECF244321}">
-                <p14:modId xmlns:p14="http://schemas.microsoft.com/office/powerpoint/2010/main" val="127679228"/>
+                <p14:modId xmlns:p14="http://schemas.microsoft.com/office/powerpoint/2010/main" val="2080245702"/>
               </p:ext>
             </p:extLst>
           </p:nvPr>
@@ -23352,7 +22737,14 @@
                           <a:effectLst/>
                           <a:latin typeface="Palatino Linotype" pitchFamily="18" charset="0"/>
                         </a:rPr>
-                        <a:t>3.  Political party affiliation</a:t>
+                        <a:t>3.  Political party </a:t>
+                      </a:r>
+                      <a:r>
+                        <a:rPr lang="en-US" sz="1400" dirty="0" err="1">
+                          <a:effectLst/>
+                          <a:latin typeface="Palatino Linotype" pitchFamily="18" charset="0"/>
+                        </a:rPr>
+                        <a:t>affiliatio</a:t>
                       </a:r>
                       <a:endParaRPr lang="en-US" sz="1800" dirty="0">
                         <a:effectLst/>
@@ -24453,7 +23845,7 @@
           <p:nvPr>
             <p:extLst>
               <p:ext uri="{D42A27DB-BD31-4B8C-83A1-F6EECF244321}">
-                <p14:modId xmlns:p14="http://schemas.microsoft.com/office/powerpoint/2010/main" val="3533213550"/>
+                <p14:modId xmlns:p14="http://schemas.microsoft.com/office/powerpoint/2010/main" val="608180270"/>
               </p:ext>
             </p:extLst>
           </p:nvPr>
@@ -24937,7 +24329,7 @@
                           <a:effectLst/>
                           <a:latin typeface="Palatino Linotype" pitchFamily="18" charset="0"/>
                         </a:rPr>
-                        <a:t> X</a:t>
+                        <a:t> </a:t>
                       </a:r>
                       <a:endParaRPr lang="en-US" sz="1800" dirty="0">
                         <a:effectLst/>
@@ -26133,7 +25525,7 @@
         </p:nvGraphicFramePr>
         <p:xfrm>
           <a:off x="380999" y="1295403"/>
-          <a:ext cx="8305801" cy="4701267"/>
+          <a:ext cx="8305801" cy="4701266"/>
         </p:xfrm>
         <a:graphic>
           <a:graphicData uri="http://schemas.openxmlformats.org/drawingml/2006/table">
@@ -27637,7 +27029,7 @@
         </p:nvGraphicFramePr>
         <p:xfrm>
           <a:off x="380999" y="1295403"/>
-          <a:ext cx="8305801" cy="4701267"/>
+          <a:ext cx="8305801" cy="4701266"/>
         </p:xfrm>
         <a:graphic>
           <a:graphicData uri="http://schemas.openxmlformats.org/drawingml/2006/table">
